--- a/06_Triggers/06-02_en_Triggers - part 2.pptx
+++ b/06_Triggers/06-02_en_Triggers - part 2.pptx
@@ -9,7 +9,12 @@
     <p:sldId id="552" r:id="rId3"/>
     <p:sldId id="555" r:id="rId4"/>
     <p:sldId id="545" r:id="rId5"/>
-    <p:sldId id="546" r:id="rId6"/>
+    <p:sldId id="556" r:id="rId6"/>
+    <p:sldId id="557" r:id="rId7"/>
+    <p:sldId id="558" r:id="rId8"/>
+    <p:sldId id="559" r:id="rId9"/>
+    <p:sldId id="561" r:id="rId10"/>
+    <p:sldId id="560" r:id="rId11"/>
   </p:sldIdLst>
   <p:sldSz cx="9144000" cy="6858000" type="screen4x3"/>
   <p:notesSz cx="6858000" cy="9144000"/>
@@ -4767,6 +4772,318 @@
 </p:sld>
 </file>
 
+<file path=ppt/slides/slide10.xml><?xml version="1.0" encoding="utf-8"?>
+<p:sld xmlns:a="http://schemas.openxmlformats.org/drawingml/2006/main" xmlns:r="http://schemas.openxmlformats.org/officeDocument/2006/relationships" xmlns:p="http://schemas.openxmlformats.org/presentationml/2006/main">
+  <p:cSld>
+    <p:spTree>
+      <p:nvGrpSpPr>
+        <p:cNvPr id="1" name=""/>
+        <p:cNvGrpSpPr/>
+        <p:nvPr/>
+      </p:nvGrpSpPr>
+      <p:grpSpPr>
+        <a:xfrm>
+          <a:off x="0" y="0"/>
+          <a:ext cx="0" cy="0"/>
+          <a:chOff x="0" y="0"/>
+          <a:chExt cx="0" cy="0"/>
+        </a:xfrm>
+      </p:grpSpPr>
+      <p:sp>
+        <p:nvSpPr>
+          <p:cNvPr id="2" name="Title 1"/>
+          <p:cNvSpPr>
+            <a:spLocks noGrp="1"/>
+          </p:cNvSpPr>
+          <p:nvPr>
+            <p:ph type="title"/>
+          </p:nvPr>
+        </p:nvSpPr>
+        <p:spPr>
+          <a:xfrm>
+            <a:off x="0" y="26505"/>
+            <a:ext cx="9144000" cy="1143000"/>
+          </a:xfrm>
+        </p:spPr>
+        <p:txBody>
+          <a:bodyPr anchor="ctr">
+            <a:normAutofit/>
+          </a:bodyPr>
+          <a:lstStyle/>
+          <a:p>
+            <a:pPr algn="ctr"/>
+            <a:r>
+              <a:rPr lang="ro-RO" sz="2800" dirty="0">
+                <a:latin typeface="American Typewriter"/>
+                <a:ea typeface="Arial Unicode MS" panose="020B0604020202020204" pitchFamily="34" charset="-128"/>
+                <a:cs typeface="American Typewriter"/>
+              </a:rPr>
+              <a:t>Script </a:t>
+            </a:r>
+            <a:r>
+              <a:rPr lang="en" sz="2800" b="1" dirty="0">
+                <a:latin typeface="American Typewriter"/>
+                <a:ea typeface="Arial Unicode MS" panose="020B0604020202020204" pitchFamily="34" charset="-128"/>
+                <a:cs typeface="American Typewriter"/>
+              </a:rPr>
+              <a:t>06-02b_en_triggers__invoice_details.sql </a:t>
+            </a:r>
+            <a:br>
+              <a:rPr lang="en" sz="2800" b="1" dirty="0">
+                <a:latin typeface="American Typewriter"/>
+                <a:ea typeface="Arial Unicode MS" panose="020B0604020202020204" pitchFamily="34" charset="-128"/>
+                <a:cs typeface="American Typewriter"/>
+              </a:rPr>
+            </a:br>
+            <a:r>
+              <a:rPr lang="en" sz="2800" b="1" dirty="0">
+                <a:latin typeface="American Typewriter"/>
+                <a:ea typeface="Arial Unicode MS" panose="020B0604020202020204" pitchFamily="34" charset="-128"/>
+                <a:cs typeface="American Typewriter"/>
+              </a:rPr>
+              <a:t>                                                                      </a:t>
+            </a:r>
+            <a:r>
+              <a:rPr lang="en" sz="2800" dirty="0">
+                <a:latin typeface="American Typewriter"/>
+                <a:ea typeface="Arial Unicode MS" panose="020B0604020202020204" pitchFamily="34" charset="-128"/>
+                <a:cs typeface="American Typewriter"/>
+              </a:rPr>
+              <a:t>(cont.)</a:t>
+            </a:r>
+            <a:endParaRPr lang="en-US" sz="2800" dirty="0">
+              <a:latin typeface="American Typewriter"/>
+              <a:ea typeface="Arial Unicode MS" panose="020B0604020202020204" pitchFamily="34" charset="-128"/>
+              <a:cs typeface="American Typewriter"/>
+            </a:endParaRPr>
+          </a:p>
+        </p:txBody>
+      </p:sp>
+      <p:sp>
+        <p:nvSpPr>
+          <p:cNvPr id="3" name="Content Placeholder 2"/>
+          <p:cNvSpPr>
+            <a:spLocks noGrp="1"/>
+          </p:cNvSpPr>
+          <p:nvPr>
+            <p:ph idx="1"/>
+          </p:nvPr>
+        </p:nvSpPr>
+        <p:spPr>
+          <a:xfrm>
+            <a:off x="566530" y="1302025"/>
+            <a:ext cx="8577469" cy="5529469"/>
+          </a:xfrm>
+        </p:spPr>
+        <p:txBody>
+          <a:bodyPr>
+            <a:normAutofit fontScale="92500" lnSpcReduction="20000"/>
+          </a:bodyPr>
+          <a:lstStyle/>
+          <a:p>
+            <a:r>
+              <a:rPr lang="en" sz="3000" dirty="0">
+                <a:latin typeface="Avenir Medium"/>
+                <a:cs typeface="Avenir Medium"/>
+              </a:rPr>
+              <a:t>III.DELETE  triggers for table INVOICE_DETAILS</a:t>
+            </a:r>
+          </a:p>
+          <a:p>
+            <a:pPr lvl="1"/>
+            <a:endParaRPr lang="en" sz="2600" dirty="0">
+              <a:latin typeface="Avenir Medium"/>
+              <a:cs typeface="Avenir Medium"/>
+            </a:endParaRPr>
+          </a:p>
+          <a:p>
+            <a:pPr lvl="1"/>
+            <a:r>
+              <a:rPr lang="en" sz="2600" dirty="0" err="1">
+                <a:latin typeface="Avenir Medium"/>
+                <a:cs typeface="Avenir Medium"/>
+              </a:rPr>
+              <a:t>III.a</a:t>
+            </a:r>
+            <a:r>
+              <a:rPr lang="en" sz="2600" dirty="0">
+                <a:latin typeface="Avenir Medium"/>
+                <a:cs typeface="Avenir Medium"/>
+              </a:rPr>
+              <a:t> Tasks for the DELETE - BEFORE - ROW trigger</a:t>
+            </a:r>
+          </a:p>
+          <a:p>
+            <a:pPr lvl="2"/>
+            <a:r>
+              <a:rPr lang="en" sz="2200" dirty="0">
+                <a:latin typeface="Avenir Medium"/>
+                <a:cs typeface="Avenir Medium"/>
+              </a:rPr>
+              <a:t>Nothing to do.</a:t>
+            </a:r>
+          </a:p>
+          <a:p>
+            <a:endParaRPr lang="en" sz="3000" dirty="0">
+              <a:latin typeface="Avenir Medium"/>
+              <a:cs typeface="Avenir Medium"/>
+            </a:endParaRPr>
+          </a:p>
+          <a:p>
+            <a:pPr lvl="1"/>
+            <a:r>
+              <a:rPr lang="en" sz="2600" dirty="0" err="1">
+                <a:latin typeface="Avenir Medium"/>
+                <a:cs typeface="Avenir Medium"/>
+              </a:rPr>
+              <a:t>III.b</a:t>
+            </a:r>
+            <a:r>
+              <a:rPr lang="en" sz="2600" dirty="0">
+                <a:latin typeface="Avenir Medium"/>
+                <a:cs typeface="Avenir Medium"/>
+              </a:rPr>
+              <a:t> Tasks for the DELETE - AFTER - ROW trigger</a:t>
+            </a:r>
+            <a:endParaRPr lang="en" sz="3000" dirty="0">
+              <a:latin typeface="Avenir Medium"/>
+              <a:cs typeface="Avenir Medium"/>
+            </a:endParaRPr>
+          </a:p>
+          <a:p>
+            <a:pPr lvl="2"/>
+            <a:r>
+              <a:rPr lang="en" sz="2200" dirty="0">
+                <a:latin typeface="Avenir Medium"/>
+                <a:cs typeface="Avenir Medium"/>
+              </a:rPr>
+              <a:t>Decrease (in table INVOICES): </a:t>
+            </a:r>
+          </a:p>
+          <a:p>
+            <a:pPr lvl="3"/>
+            <a:r>
+              <a:rPr lang="en" sz="1800" dirty="0">
+                <a:latin typeface="Avenir Medium"/>
+                <a:cs typeface="Avenir Medium"/>
+              </a:rPr>
+              <a:t>"</a:t>
+            </a:r>
+            <a:r>
+              <a:rPr lang="en" sz="1800" dirty="0" err="1">
+                <a:latin typeface="Avenir Medium"/>
+                <a:cs typeface="Avenir Medium"/>
+              </a:rPr>
+              <a:t>invoice_VAT</a:t>
+            </a:r>
+            <a:r>
+              <a:rPr lang="en" sz="1800" dirty="0">
+                <a:latin typeface="Avenir Medium"/>
+                <a:cs typeface="Avenir Medium"/>
+              </a:rPr>
+              <a:t>", </a:t>
+            </a:r>
+          </a:p>
+          <a:p>
+            <a:pPr lvl="3"/>
+            <a:r>
+              <a:rPr lang="en" sz="1800" dirty="0">
+                <a:latin typeface="Avenir Medium"/>
+                <a:cs typeface="Avenir Medium"/>
+              </a:rPr>
+              <a:t>"</a:t>
+            </a:r>
+            <a:r>
+              <a:rPr lang="en" sz="1800" dirty="0" err="1">
+                <a:latin typeface="Avenir Medium"/>
+                <a:cs typeface="Avenir Medium"/>
+              </a:rPr>
+              <a:t>invoice_amount</a:t>
+            </a:r>
+            <a:r>
+              <a:rPr lang="en" sz="1800" dirty="0">
+                <a:latin typeface="Avenir Medium"/>
+                <a:cs typeface="Avenir Medium"/>
+              </a:rPr>
+              <a:t>”</a:t>
+            </a:r>
+          </a:p>
+          <a:p>
+            <a:pPr lvl="3"/>
+            <a:r>
+              <a:rPr lang="en" sz="1800" dirty="0">
+                <a:latin typeface="Avenir Medium"/>
+                <a:cs typeface="Avenir Medium"/>
+              </a:rPr>
+              <a:t>"</a:t>
+            </a:r>
+            <a:r>
+              <a:rPr lang="en" sz="1800" dirty="0" err="1">
+                <a:latin typeface="Avenir Medium"/>
+                <a:cs typeface="Avenir Medium"/>
+              </a:rPr>
+              <a:t>n_of_rows</a:t>
+            </a:r>
+            <a:r>
+              <a:rPr lang="en" sz="1800" dirty="0">
+                <a:latin typeface="Avenir Medium"/>
+                <a:cs typeface="Avenir Medium"/>
+              </a:rPr>
+              <a:t>" </a:t>
+            </a:r>
+          </a:p>
+          <a:p>
+            <a:pPr marL="923544" lvl="3" indent="0">
+              <a:buNone/>
+            </a:pPr>
+            <a:r>
+              <a:rPr lang="en" sz="2200" dirty="0">
+                <a:latin typeface="Avenir Medium"/>
+                <a:cs typeface="Avenir Medium"/>
+              </a:rPr>
+              <a:t>for the invoice containing the deleted line/row</a:t>
+            </a:r>
+          </a:p>
+          <a:p>
+            <a:endParaRPr lang="en" sz="3000" dirty="0">
+              <a:latin typeface="Avenir Medium"/>
+              <a:cs typeface="Avenir Medium"/>
+            </a:endParaRPr>
+          </a:p>
+          <a:p>
+            <a:r>
+              <a:rPr lang="en" sz="3000" dirty="0">
+                <a:latin typeface="Avenir Medium"/>
+                <a:cs typeface="Avenir Medium"/>
+              </a:rPr>
+              <a:t>Note: </a:t>
+            </a:r>
+            <a:r>
+              <a:rPr lang="en" sz="2600" dirty="0">
+                <a:latin typeface="Avenir Medium"/>
+                <a:cs typeface="Avenir Medium"/>
+              </a:rPr>
+              <a:t>The script contains a series of SQL queries (using mainly table expressions) for checking the functionality of all table triggers, i.e. the way the computes attributes synchronize with `base` attributes</a:t>
+            </a:r>
+          </a:p>
+        </p:txBody>
+      </p:sp>
+    </p:spTree>
+    <p:extLst>
+      <p:ext uri="{BB962C8B-B14F-4D97-AF65-F5344CB8AC3E}">
+        <p14:creationId xmlns:p14="http://schemas.microsoft.com/office/powerpoint/2010/main" val="4063786042"/>
+      </p:ext>
+    </p:extLst>
+  </p:cSld>
+  <p:clrMapOvr>
+    <a:masterClrMapping/>
+  </p:clrMapOvr>
+  <p:transition>
+    <p:random/>
+  </p:transition>
+</p:sld>
+</file>
+
 <file path=ppt/slides/slide2.xml><?xml version="1.0" encoding="utf-8"?>
 <p:sld xmlns:a="http://schemas.openxmlformats.org/drawingml/2006/main" xmlns:r="http://schemas.openxmlformats.org/officeDocument/2006/relationships" xmlns:p="http://schemas.openxmlformats.org/presentationml/2006/main">
   <p:cSld>
@@ -6706,52 +7023,8 @@
         </p:nvCxnSpPr>
         <p:spPr>
           <a:xfrm flipH="1">
-            <a:off x="3747052" y="2641913"/>
-            <a:ext cx="3631090" cy="1214470"/>
-          </a:xfrm>
-          <a:prstGeom prst="straightConnector1">
-            <a:avLst/>
-          </a:prstGeom>
-          <a:ln w="12700">
-            <a:solidFill>
-              <a:schemeClr val="accent5"/>
-            </a:solidFill>
-            <a:tailEnd type="triangle"/>
-          </a:ln>
-        </p:spPr>
-        <p:style>
-          <a:lnRef idx="1">
-            <a:schemeClr val="accent5"/>
-          </a:lnRef>
-          <a:fillRef idx="0">
-            <a:schemeClr val="accent5"/>
-          </a:fillRef>
-          <a:effectRef idx="0">
-            <a:schemeClr val="accent5"/>
-          </a:effectRef>
-          <a:fontRef idx="minor">
-            <a:schemeClr val="tx1"/>
-          </a:fontRef>
-        </p:style>
-      </p:cxnSp>
-      <p:cxnSp>
-        <p:nvCxnSpPr>
-          <p:cNvPr id="68" name="Straight Arrow Connector 67">
-            <a:extLst>
-              <a:ext uri="{FF2B5EF4-FFF2-40B4-BE49-F238E27FC236}">
-                <a16:creationId xmlns:a16="http://schemas.microsoft.com/office/drawing/2014/main" id="{4FA11B48-01AD-7D45-BEBD-EEBB7CF20DCB}"/>
-              </a:ext>
-            </a:extLst>
-          </p:cNvPr>
-          <p:cNvCxnSpPr>
-            <a:cxnSpLocks/>
-          </p:cNvCxnSpPr>
-          <p:nvPr/>
-        </p:nvCxnSpPr>
-        <p:spPr>
-          <a:xfrm flipH="1">
-            <a:off x="2404317" y="2671187"/>
-            <a:ext cx="5011933" cy="2894959"/>
+            <a:off x="3747052" y="1697510"/>
+            <a:ext cx="3669198" cy="2158873"/>
           </a:xfrm>
           <a:prstGeom prst="straightConnector1">
             <a:avLst/>
@@ -6794,8 +7067,8 @@
         </p:nvCxnSpPr>
         <p:spPr>
           <a:xfrm flipH="1">
-            <a:off x="2443376" y="2655647"/>
-            <a:ext cx="4934766" cy="1806110"/>
+            <a:off x="2443376" y="1697510"/>
+            <a:ext cx="4928149" cy="2764247"/>
           </a:xfrm>
           <a:prstGeom prst="straightConnector1">
             <a:avLst/>
@@ -6838,8 +7111,8 @@
         </p:nvCxnSpPr>
         <p:spPr>
           <a:xfrm flipH="1">
-            <a:off x="5715000" y="2655647"/>
-            <a:ext cx="1597716" cy="227372"/>
+            <a:off x="5715000" y="1697510"/>
+            <a:ext cx="1798983" cy="1185509"/>
           </a:xfrm>
           <a:prstGeom prst="straightConnector1">
             <a:avLst/>
@@ -7930,8 +8203,52 @@
         </p:nvCxnSpPr>
         <p:spPr>
           <a:xfrm flipH="1" flipV="1">
-            <a:off x="3538369" y="3695701"/>
+            <a:off x="3538369" y="3685762"/>
             <a:ext cx="1697935" cy="2466095"/>
+          </a:xfrm>
+          <a:prstGeom prst="straightConnector1">
+            <a:avLst/>
+          </a:prstGeom>
+          <a:ln w="12700">
+            <a:solidFill>
+              <a:schemeClr val="accent5"/>
+            </a:solidFill>
+            <a:tailEnd type="triangle"/>
+          </a:ln>
+        </p:spPr>
+        <p:style>
+          <a:lnRef idx="1">
+            <a:schemeClr val="accent5"/>
+          </a:lnRef>
+          <a:fillRef idx="0">
+            <a:schemeClr val="accent5"/>
+          </a:fillRef>
+          <a:effectRef idx="0">
+            <a:schemeClr val="accent5"/>
+          </a:effectRef>
+          <a:fontRef idx="minor">
+            <a:schemeClr val="tx1"/>
+          </a:fontRef>
+        </p:style>
+      </p:cxnSp>
+      <p:cxnSp>
+        <p:nvCxnSpPr>
+          <p:cNvPr id="63" name="Straight Arrow Connector 62">
+            <a:extLst>
+              <a:ext uri="{FF2B5EF4-FFF2-40B4-BE49-F238E27FC236}">
+                <a16:creationId xmlns:a16="http://schemas.microsoft.com/office/drawing/2014/main" id="{A37E3413-3328-924B-B473-1F3C3667CE8A}"/>
+              </a:ext>
+            </a:extLst>
+          </p:cNvPr>
+          <p:cNvCxnSpPr>
+            <a:cxnSpLocks/>
+          </p:cNvCxnSpPr>
+          <p:nvPr/>
+        </p:nvCxnSpPr>
+        <p:spPr>
+          <a:xfrm flipH="1" flipV="1">
+            <a:off x="5215464" y="2971800"/>
+            <a:ext cx="499536" cy="3163511"/>
           </a:xfrm>
           <a:prstGeom prst="straightConnector1">
             <a:avLst/>
@@ -8614,7 +8931,7 @@
         </p:spPr>
         <p:txBody>
           <a:bodyPr>
-            <a:normAutofit fontScale="85000" lnSpcReduction="10000"/>
+            <a:normAutofit fontScale="62500" lnSpcReduction="20000"/>
           </a:bodyPr>
           <a:lstStyle/>
           <a:p>
@@ -8935,183 +9252,40 @@
           <a:p>
             <a:pPr lvl="1"/>
             <a:r>
-              <a:rPr lang="ro-RO" sz="2600" dirty="0">
-                <a:latin typeface="Avenir Medium"/>
-                <a:cs typeface="Avenir Medium"/>
-              </a:rPr>
-              <a:t>BEFORE ROW:</a:t>
+              <a:rPr lang="en" sz="2600" dirty="0">
+                <a:latin typeface="Avenir Medium"/>
+                <a:cs typeface="Avenir Medium"/>
+              </a:rPr>
+              <a:t>a. Tasks for the INSERT - BEFORE - ROW trigger</a:t>
+            </a:r>
+          </a:p>
+          <a:p>
+            <a:pPr lvl="1"/>
+            <a:r>
+              <a:rPr lang="en" sz="2600" dirty="0">
+                <a:latin typeface="Avenir Medium"/>
+                <a:cs typeface="Avenir Medium"/>
+              </a:rPr>
+              <a:t>	When inserting a new record in table INVOICES, the following of its  attributes must be set on 0 (since the invoice has no lines yes):</a:t>
             </a:r>
           </a:p>
           <a:p>
             <a:pPr lvl="2"/>
             <a:r>
-              <a:rPr lang="ro-RO" sz="2200" dirty="0">
-                <a:latin typeface="Avenir Medium"/>
-                <a:cs typeface="Avenir Medium"/>
-              </a:rPr>
-              <a:t>set </a:t>
-            </a:r>
-            <a:r>
-              <a:rPr lang="ro-RO" sz="2200" dirty="0" err="1">
-                <a:latin typeface="Avenir Medium"/>
-                <a:cs typeface="Avenir Medium"/>
-              </a:rPr>
-              <a:t>the</a:t>
-            </a:r>
-            <a:r>
-              <a:rPr lang="ro-RO" sz="2200" dirty="0">
-                <a:latin typeface="Avenir Medium"/>
-                <a:cs typeface="Avenir Medium"/>
-              </a:rPr>
-              <a:t> </a:t>
-            </a:r>
-            <a:r>
-              <a:rPr lang="ro-RO" sz="2200" dirty="0" err="1">
-                <a:latin typeface="Avenir Medium"/>
-                <a:cs typeface="Avenir Medium"/>
-              </a:rPr>
-              <a:t>computed</a:t>
-            </a:r>
-            <a:r>
-              <a:rPr lang="ro-RO" sz="2200" dirty="0">
-                <a:latin typeface="Avenir Medium"/>
-                <a:cs typeface="Avenir Medium"/>
-              </a:rPr>
-              <a:t> </a:t>
-            </a:r>
-            <a:r>
-              <a:rPr lang="ro-RO" sz="2200" dirty="0" err="1">
-                <a:latin typeface="Avenir Medium"/>
-                <a:cs typeface="Avenir Medium"/>
-              </a:rPr>
-              <a:t>atributes</a:t>
-            </a:r>
-            <a:r>
-              <a:rPr lang="ro-RO" sz="2200" dirty="0">
-                <a:latin typeface="Avenir Medium"/>
-                <a:cs typeface="Avenir Medium"/>
-              </a:rPr>
-              <a:t> (</a:t>
-            </a:r>
-            <a:r>
-              <a:rPr lang="ro-RO" sz="2200" dirty="0" err="1">
-                <a:latin typeface="Avenir Medium"/>
-                <a:cs typeface="Avenir Medium"/>
-              </a:rPr>
-              <a:t>invoice_vat</a:t>
-            </a:r>
-            <a:r>
-              <a:rPr lang="ro-RO" sz="2200" dirty="0">
-                <a:latin typeface="Avenir Medium"/>
-                <a:cs typeface="Avenir Medium"/>
-              </a:rPr>
-              <a:t>, </a:t>
-            </a:r>
-            <a:r>
-              <a:rPr lang="ro-RO" sz="2200" dirty="0" err="1">
-                <a:latin typeface="Avenir Medium"/>
-                <a:cs typeface="Avenir Medium"/>
-              </a:rPr>
-              <a:t>invoice_amount</a:t>
-            </a:r>
-            <a:r>
-              <a:rPr lang="ro-RO" sz="2200" dirty="0">
-                <a:latin typeface="Avenir Medium"/>
-                <a:cs typeface="Avenir Medium"/>
-              </a:rPr>
-              <a:t>, ...) on 0 </a:t>
-            </a:r>
-          </a:p>
-          <a:p>
-            <a:pPr lvl="1"/>
-            <a:r>
-              <a:rPr lang="ro-RO" sz="2600" dirty="0">
-                <a:latin typeface="Avenir Medium"/>
-                <a:cs typeface="Avenir Medium"/>
-              </a:rPr>
-              <a:t>AFTER ROW</a:t>
-            </a:r>
-          </a:p>
-          <a:p>
-            <a:pPr lvl="2"/>
-            <a:r>
-              <a:rPr lang="ro-RO" sz="2200" dirty="0" err="1">
-                <a:latin typeface="Avenir Medium"/>
-                <a:cs typeface="Avenir Medium"/>
-              </a:rPr>
-              <a:t>check</a:t>
-            </a:r>
-            <a:r>
-              <a:rPr lang="ro-RO" sz="2200" dirty="0">
-                <a:latin typeface="Avenir Medium"/>
-                <a:cs typeface="Avenir Medium"/>
-              </a:rPr>
-              <a:t> </a:t>
-            </a:r>
-            <a:r>
-              <a:rPr lang="ro-RO" sz="2200" dirty="0" err="1">
-                <a:latin typeface="Avenir Medium"/>
-                <a:cs typeface="Avenir Medium"/>
-              </a:rPr>
-              <a:t>if</a:t>
-            </a:r>
-            <a:r>
-              <a:rPr lang="ro-RO" sz="2200" dirty="0">
-                <a:latin typeface="Avenir Medium"/>
-                <a:cs typeface="Avenir Medium"/>
-              </a:rPr>
-              <a:t> </a:t>
-            </a:r>
-            <a:r>
-              <a:rPr lang="ro-RO" sz="2200" dirty="0" err="1">
-                <a:latin typeface="Avenir Medium"/>
-                <a:cs typeface="Avenir Medium"/>
-              </a:rPr>
-              <a:t>exists</a:t>
-            </a:r>
-            <a:r>
-              <a:rPr lang="ro-RO" sz="2200" dirty="0">
-                <a:latin typeface="Avenir Medium"/>
-                <a:cs typeface="Avenir Medium"/>
-              </a:rPr>
-              <a:t> a record in table MONTHS for </a:t>
-            </a:r>
-            <a:r>
-              <a:rPr lang="ro-RO" sz="2200" dirty="0" err="1">
-                <a:latin typeface="Avenir Medium"/>
-                <a:cs typeface="Avenir Medium"/>
-              </a:rPr>
-              <a:t>current</a:t>
-            </a:r>
-            <a:r>
-              <a:rPr lang="ro-RO" sz="2200" dirty="0">
-                <a:latin typeface="Avenir Medium"/>
-                <a:cs typeface="Avenir Medium"/>
-              </a:rPr>
-              <a:t> </a:t>
-            </a:r>
-            <a:r>
-              <a:rPr lang="ro-RO" sz="2200" dirty="0" err="1">
-                <a:latin typeface="Avenir Medium"/>
-                <a:cs typeface="Avenir Medium"/>
-              </a:rPr>
-              <a:t>invoice’s</a:t>
-            </a:r>
-            <a:r>
-              <a:rPr lang="ro-RO" sz="2200" dirty="0">
-                <a:latin typeface="Avenir Medium"/>
-                <a:cs typeface="Avenir Medium"/>
-              </a:rPr>
-              <a:t> </a:t>
-            </a:r>
-            <a:r>
-              <a:rPr lang="ro-RO" sz="2200" dirty="0" err="1">
-                <a:latin typeface="Avenir Medium"/>
-                <a:cs typeface="Avenir Medium"/>
-              </a:rPr>
-              <a:t>month</a:t>
-            </a:r>
-            <a:endParaRPr lang="ro-RO" sz="2200" dirty="0">
+              <a:rPr lang="en" sz="2200" dirty="0">
+                <a:latin typeface="Avenir Medium"/>
+                <a:cs typeface="Avenir Medium"/>
+              </a:rPr>
+              <a:t>	- </a:t>
+            </a:r>
+            <a:r>
+              <a:rPr lang="en" sz="2200" dirty="0" err="1">
+                <a:latin typeface="Avenir Medium"/>
+                <a:cs typeface="Avenir Medium"/>
+              </a:rPr>
+              <a:t>INVOICES.invoice_VAT</a:t>
+            </a:r>
+            <a:endParaRPr lang="en" sz="2200" dirty="0">
               <a:latin typeface="Avenir Medium"/>
               <a:cs typeface="Avenir Medium"/>
             </a:endParaRPr>
@@ -9119,111 +9293,20 @@
           <a:p>
             <a:pPr lvl="2"/>
             <a:r>
-              <a:rPr lang="ro-RO" sz="2200" dirty="0" err="1">
-                <a:latin typeface="Avenir Medium"/>
-                <a:cs typeface="Avenir Medium"/>
-              </a:rPr>
-              <a:t>check</a:t>
-            </a:r>
-            <a:r>
-              <a:rPr lang="ro-RO" sz="2200" dirty="0">
-                <a:latin typeface="Avenir Medium"/>
-                <a:cs typeface="Avenir Medium"/>
-              </a:rPr>
-              <a:t> </a:t>
-            </a:r>
-            <a:r>
-              <a:rPr lang="ro-RO" sz="2200" dirty="0" err="1">
-                <a:latin typeface="Avenir Medium"/>
-                <a:cs typeface="Avenir Medium"/>
-              </a:rPr>
-              <a:t>if</a:t>
-            </a:r>
-            <a:r>
-              <a:rPr lang="ro-RO" sz="2200" dirty="0">
-                <a:latin typeface="Avenir Medium"/>
-                <a:cs typeface="Avenir Medium"/>
-              </a:rPr>
-              <a:t> </a:t>
-            </a:r>
-            <a:r>
-              <a:rPr lang="ro-RO" sz="2200" dirty="0" err="1">
-                <a:latin typeface="Avenir Medium"/>
-                <a:cs typeface="Avenir Medium"/>
-              </a:rPr>
-              <a:t>exists</a:t>
-            </a:r>
-            <a:r>
-              <a:rPr lang="ro-RO" sz="2200" dirty="0">
-                <a:latin typeface="Avenir Medium"/>
-                <a:cs typeface="Avenir Medium"/>
-              </a:rPr>
-              <a:t> a record in table CUSTOMER_MONTHLY_STATS for </a:t>
-            </a:r>
-            <a:r>
-              <a:rPr lang="ro-RO" sz="2200" dirty="0" err="1">
-                <a:latin typeface="Avenir Medium"/>
-                <a:cs typeface="Avenir Medium"/>
-              </a:rPr>
-              <a:t>current</a:t>
-            </a:r>
-            <a:r>
-              <a:rPr lang="ro-RO" sz="2200" dirty="0">
-                <a:latin typeface="Avenir Medium"/>
-                <a:cs typeface="Avenir Medium"/>
-              </a:rPr>
-              <a:t> </a:t>
-            </a:r>
-            <a:r>
-              <a:rPr lang="ro-RO" sz="2200" dirty="0" err="1">
-                <a:latin typeface="Avenir Medium"/>
-                <a:cs typeface="Avenir Medium"/>
-              </a:rPr>
-              <a:t>invoice’s</a:t>
-            </a:r>
-            <a:r>
-              <a:rPr lang="ro-RO" sz="2200" dirty="0">
-                <a:latin typeface="Avenir Medium"/>
-                <a:cs typeface="Avenir Medium"/>
-              </a:rPr>
-              <a:t> </a:t>
-            </a:r>
-            <a:r>
-              <a:rPr lang="ro-RO" sz="2200" dirty="0" err="1">
-                <a:latin typeface="Avenir Medium"/>
-                <a:cs typeface="Avenir Medium"/>
-              </a:rPr>
-              <a:t>month</a:t>
-            </a:r>
-            <a:r>
-              <a:rPr lang="ro-RO" sz="2200" dirty="0">
-                <a:latin typeface="Avenir Medium"/>
-                <a:cs typeface="Avenir Medium"/>
-              </a:rPr>
-              <a:t> </a:t>
-            </a:r>
-            <a:r>
-              <a:rPr lang="ro-RO" sz="2200" dirty="0" err="1">
-                <a:latin typeface="Avenir Medium"/>
-                <a:cs typeface="Avenir Medium"/>
-              </a:rPr>
-              <a:t>and</a:t>
-            </a:r>
-            <a:r>
-              <a:rPr lang="ro-RO" sz="2200" dirty="0">
-                <a:latin typeface="Avenir Medium"/>
-                <a:cs typeface="Avenir Medium"/>
-              </a:rPr>
-              <a:t> </a:t>
-            </a:r>
-            <a:r>
-              <a:rPr lang="ro-RO" sz="2200" dirty="0" err="1">
-                <a:latin typeface="Avenir Medium"/>
-                <a:cs typeface="Avenir Medium"/>
-              </a:rPr>
-              <a:t>customer</a:t>
-            </a:r>
-            <a:endParaRPr lang="ro-RO" sz="2200" dirty="0">
+              <a:rPr lang="en" sz="2200" dirty="0">
+                <a:latin typeface="Avenir Medium"/>
+                <a:cs typeface="Avenir Medium"/>
+              </a:rPr>
+              <a:t>	- </a:t>
+            </a:r>
+            <a:r>
+              <a:rPr lang="en" sz="2200" dirty="0" err="1">
+                <a:latin typeface="Avenir Medium"/>
+                <a:cs typeface="Avenir Medium"/>
+              </a:rPr>
+              <a:t>INVOICES.invoice_amount</a:t>
+            </a:r>
+            <a:endParaRPr lang="en" sz="2200" dirty="0">
               <a:latin typeface="Avenir Medium"/>
               <a:cs typeface="Avenir Medium"/>
             </a:endParaRPr>
@@ -9231,236 +9314,150 @@
           <a:p>
             <a:pPr lvl="2"/>
             <a:r>
-              <a:rPr lang="ro-RO" sz="2200" dirty="0" err="1">
-                <a:latin typeface="Avenir Medium"/>
-                <a:cs typeface="Avenir Medium"/>
-              </a:rPr>
-              <a:t>first</a:t>
-            </a:r>
-            <a:r>
-              <a:rPr lang="ro-RO" sz="2200" dirty="0">
-                <a:latin typeface="Avenir Medium"/>
-                <a:cs typeface="Avenir Medium"/>
-              </a:rPr>
-              <a:t> </a:t>
-            </a:r>
-            <a:r>
-              <a:rPr lang="ro-RO" sz="2200" dirty="0" err="1">
-                <a:latin typeface="Avenir Medium"/>
-                <a:cs typeface="Avenir Medium"/>
-              </a:rPr>
-              <a:t>example</a:t>
-            </a:r>
-            <a:r>
-              <a:rPr lang="ro-RO" sz="2200" dirty="0">
-                <a:latin typeface="Avenir Medium"/>
-                <a:cs typeface="Avenir Medium"/>
-              </a:rPr>
-              <a:t> of `</a:t>
-            </a:r>
-            <a:r>
-              <a:rPr lang="ro-RO" sz="2200" dirty="0" err="1">
-                <a:latin typeface="Avenir Medium"/>
-                <a:cs typeface="Avenir Medium"/>
-              </a:rPr>
-              <a:t>mutating</a:t>
-            </a:r>
-            <a:r>
-              <a:rPr lang="ro-RO" sz="2200" dirty="0">
-                <a:latin typeface="Avenir Medium"/>
-                <a:cs typeface="Avenir Medium"/>
-              </a:rPr>
-              <a:t> table` </a:t>
-            </a:r>
-            <a:r>
-              <a:rPr lang="ro-RO" sz="2200" dirty="0" err="1">
-                <a:latin typeface="Avenir Medium"/>
-                <a:cs typeface="Avenir Medium"/>
-              </a:rPr>
-              <a:t>error</a:t>
-            </a:r>
-            <a:endParaRPr lang="ro-RO" sz="2200" dirty="0">
+              <a:rPr lang="en" sz="2200" dirty="0">
+                <a:latin typeface="Avenir Medium"/>
+                <a:cs typeface="Avenir Medium"/>
+              </a:rPr>
+              <a:t>	- </a:t>
+            </a:r>
+            <a:r>
+              <a:rPr lang="en" sz="2200" dirty="0" err="1">
+                <a:latin typeface="Avenir Medium"/>
+                <a:cs typeface="Avenir Medium"/>
+              </a:rPr>
+              <a:t>INVOICES.amount_received</a:t>
+            </a:r>
+            <a:endParaRPr lang="en" sz="2200" dirty="0">
               <a:latin typeface="Avenir Medium"/>
               <a:cs typeface="Avenir Medium"/>
             </a:endParaRPr>
           </a:p>
           <a:p>
-            <a:pPr lvl="1"/>
-            <a:r>
-              <a:rPr lang="ro-RO" dirty="0" err="1">
-                <a:latin typeface="Avenir Medium"/>
-                <a:cs typeface="Avenir Medium"/>
-              </a:rPr>
-              <a:t>Triggers</a:t>
-            </a:r>
-            <a:r>
-              <a:rPr lang="ro-RO" dirty="0">
-                <a:latin typeface="Avenir Medium"/>
-                <a:cs typeface="Avenir Medium"/>
-              </a:rPr>
-              <a:t> for UPDATE in table INVOICES</a:t>
-            </a:r>
-          </a:p>
-          <a:p>
             <a:pPr lvl="2"/>
             <a:r>
-              <a:rPr lang="ro-RO" sz="2200" dirty="0" err="1">
-                <a:latin typeface="Avenir Medium"/>
-                <a:cs typeface="Avenir Medium"/>
-              </a:rPr>
-              <a:t>propagating</a:t>
-            </a:r>
-            <a:r>
-              <a:rPr lang="ro-RO" sz="2200" dirty="0">
-                <a:latin typeface="Avenir Medium"/>
-                <a:cs typeface="Avenir Medium"/>
-              </a:rPr>
-              <a:t> </a:t>
-            </a:r>
-            <a:r>
-              <a:rPr lang="ro-RO" sz="2200" dirty="0" err="1">
-                <a:latin typeface="Avenir Medium"/>
-                <a:cs typeface="Avenir Medium"/>
-              </a:rPr>
-              <a:t>table’s</a:t>
-            </a:r>
-            <a:r>
-              <a:rPr lang="ro-RO" sz="2200" dirty="0">
-                <a:latin typeface="Avenir Medium"/>
-                <a:cs typeface="Avenir Medium"/>
-              </a:rPr>
-              <a:t> </a:t>
-            </a:r>
-            <a:r>
-              <a:rPr lang="ro-RO" sz="2200" dirty="0" err="1">
-                <a:latin typeface="Avenir Medium"/>
-                <a:cs typeface="Avenir Medium"/>
-              </a:rPr>
-              <a:t>updates</a:t>
-            </a:r>
-            <a:r>
-              <a:rPr lang="ro-RO" sz="2200" dirty="0">
-                <a:latin typeface="Avenir Medium"/>
-                <a:cs typeface="Avenir Medium"/>
-              </a:rPr>
-              <a:t> in </a:t>
-            </a:r>
-            <a:r>
-              <a:rPr lang="ro-RO" sz="2200" dirty="0" err="1">
-                <a:latin typeface="Avenir Medium"/>
-                <a:cs typeface="Avenir Medium"/>
-              </a:rPr>
-              <a:t>all</a:t>
-            </a:r>
-            <a:r>
-              <a:rPr lang="ro-RO" sz="2200" dirty="0">
-                <a:latin typeface="Avenir Medium"/>
-                <a:cs typeface="Avenir Medium"/>
-              </a:rPr>
-              <a:t> </a:t>
-            </a:r>
-            <a:r>
-              <a:rPr lang="ro-RO" sz="2200" dirty="0" err="1">
-                <a:latin typeface="Avenir Medium"/>
-                <a:cs typeface="Avenir Medium"/>
-              </a:rPr>
-              <a:t>computed</a:t>
-            </a:r>
-            <a:r>
-              <a:rPr lang="ro-RO" sz="2200" dirty="0">
-                <a:latin typeface="Avenir Medium"/>
-                <a:cs typeface="Avenir Medium"/>
-              </a:rPr>
-              <a:t>/</a:t>
-            </a:r>
-            <a:r>
-              <a:rPr lang="ro-RO" sz="2200" dirty="0" err="1">
-                <a:latin typeface="Avenir Medium"/>
-                <a:cs typeface="Avenir Medium"/>
-              </a:rPr>
-              <a:t>denormalized</a:t>
-            </a:r>
-            <a:r>
-              <a:rPr lang="ro-RO" sz="2200" dirty="0">
-                <a:latin typeface="Avenir Medium"/>
-                <a:cs typeface="Avenir Medium"/>
-              </a:rPr>
-              <a:t> </a:t>
-            </a:r>
-            <a:r>
-              <a:rPr lang="ro-RO" sz="2200" dirty="0" err="1">
-                <a:latin typeface="Avenir Medium"/>
-                <a:cs typeface="Avenir Medium"/>
-              </a:rPr>
-              <a:t>tables</a:t>
-            </a:r>
-            <a:r>
-              <a:rPr lang="ro-RO" sz="2200" dirty="0">
-                <a:latin typeface="Avenir Medium"/>
-                <a:cs typeface="Avenir Medium"/>
-              </a:rPr>
-              <a:t>/</a:t>
-            </a:r>
-            <a:r>
-              <a:rPr lang="ro-RO" sz="2200" dirty="0" err="1">
-                <a:latin typeface="Avenir Medium"/>
-                <a:cs typeface="Avenir Medium"/>
-              </a:rPr>
-              <a:t>attributes</a:t>
-            </a:r>
-            <a:r>
-              <a:rPr lang="ro-RO" sz="2200" dirty="0">
-                <a:latin typeface="Avenir Medium"/>
-                <a:cs typeface="Avenir Medium"/>
-              </a:rPr>
-              <a:t> </a:t>
-            </a:r>
-            <a:r>
-              <a:rPr lang="ro-RO" sz="2200" dirty="0" err="1">
-                <a:latin typeface="Avenir Medium"/>
-                <a:cs typeface="Avenir Medium"/>
-              </a:rPr>
-              <a:t>that</a:t>
-            </a:r>
-            <a:r>
-              <a:rPr lang="ro-RO" sz="2200" dirty="0">
-                <a:latin typeface="Avenir Medium"/>
-                <a:cs typeface="Avenir Medium"/>
-              </a:rPr>
-              <a:t> </a:t>
-            </a:r>
-            <a:r>
-              <a:rPr lang="ro-RO" sz="2200" dirty="0" err="1">
-                <a:latin typeface="Avenir Medium"/>
-                <a:cs typeface="Avenir Medium"/>
-              </a:rPr>
-              <a:t>depend</a:t>
-            </a:r>
-            <a:r>
-              <a:rPr lang="ro-RO" sz="2200" dirty="0">
-                <a:latin typeface="Avenir Medium"/>
-                <a:cs typeface="Avenir Medium"/>
-              </a:rPr>
-              <a:t> on it</a:t>
-            </a:r>
-          </a:p>
-          <a:p>
-            <a:pPr lvl="2"/>
-            <a:endParaRPr lang="ro-RO" sz="2200" dirty="0">
+              <a:rPr lang="en" sz="2200" dirty="0">
+                <a:latin typeface="Avenir Medium"/>
+                <a:cs typeface="Avenir Medium"/>
+              </a:rPr>
+              <a:t>	- </a:t>
+            </a:r>
+            <a:r>
+              <a:rPr lang="en" sz="2200" dirty="0" err="1">
+                <a:latin typeface="Avenir Medium"/>
+                <a:cs typeface="Avenir Medium"/>
+              </a:rPr>
+              <a:t>INVOICES.amount_refused</a:t>
+            </a:r>
+            <a:endParaRPr lang="en" sz="2200" dirty="0">
               <a:latin typeface="Avenir Medium"/>
               <a:cs typeface="Avenir Medium"/>
             </a:endParaRPr>
           </a:p>
           <a:p>
             <a:pPr lvl="2"/>
-            <a:endParaRPr lang="ro-RO" sz="2200" dirty="0">
+            <a:r>
+              <a:rPr lang="en" sz="2200" dirty="0">
+                <a:latin typeface="Avenir Medium"/>
+                <a:cs typeface="Avenir Medium"/>
+              </a:rPr>
+              <a:t>	- </a:t>
+            </a:r>
+            <a:r>
+              <a:rPr lang="en" sz="2200" dirty="0" err="1">
+                <a:latin typeface="Avenir Medium"/>
+                <a:cs typeface="Avenir Medium"/>
+              </a:rPr>
+              <a:t>INVOICES.n_of_rows</a:t>
+            </a:r>
+            <a:endParaRPr lang="en" sz="2200" dirty="0">
               <a:latin typeface="Avenir Medium"/>
               <a:cs typeface="Avenir Medium"/>
             </a:endParaRPr>
           </a:p>
           <a:p>
-            <a:pPr lvl="2"/>
-            <a:endParaRPr lang="ro-RO" sz="1800" dirty="0">
+            <a:pPr lvl="1"/>
+            <a:r>
+              <a:rPr lang="en" sz="2600" dirty="0">
+                <a:latin typeface="Avenir Medium"/>
+                <a:cs typeface="Avenir Medium"/>
+              </a:rPr>
+              <a:t>b. Tasks for the INSERT - AFTER - ROW trigger</a:t>
+            </a:r>
+          </a:p>
+          <a:p>
+            <a:pPr lvl="1"/>
+            <a:r>
+              <a:rPr lang="en" sz="2600" dirty="0">
+                <a:latin typeface="Avenir Medium"/>
+                <a:cs typeface="Avenir Medium"/>
+              </a:rPr>
+              <a:t>	After inserting a new record in table INVOICES, one must check if this is the first invoice for its month (year + month)</a:t>
+            </a:r>
+          </a:p>
+          <a:p>
+            <a:pPr lvl="1"/>
+            <a:r>
+              <a:rPr lang="en" sz="2600" dirty="0">
+                <a:latin typeface="Avenir Medium"/>
+                <a:cs typeface="Avenir Medium"/>
+              </a:rPr>
+              <a:t>	b.1 If no record exists in table MONTHS for current (inserted) invoice's month, then INSERT a record into MONTHS!</a:t>
+            </a:r>
+          </a:p>
+          <a:p>
+            <a:pPr lvl="1"/>
+            <a:r>
+              <a:rPr lang="en" sz="2600" dirty="0">
+                <a:latin typeface="Avenir Medium"/>
+                <a:cs typeface="Avenir Medium"/>
+              </a:rPr>
+              <a:t>	b.2 If no record exists in table CUSTOMER_MONTHLY_STATS for current (inserted) invoice's month and customer, then INSERT a record into CUSTOMER_MONTHLY_STATS!</a:t>
+            </a:r>
+          </a:p>
+          <a:p>
+            <a:r>
+              <a:rPr lang="ro-RO" sz="3000" dirty="0">
+                <a:latin typeface="Avenir Medium"/>
+                <a:cs typeface="Avenir Medium"/>
+              </a:rPr>
+              <a:t>An </a:t>
+            </a:r>
+            <a:r>
+              <a:rPr lang="ro-RO" sz="3000" dirty="0" err="1">
+                <a:latin typeface="Avenir Medium"/>
+                <a:cs typeface="Avenir Medium"/>
+              </a:rPr>
+              <a:t>example</a:t>
+            </a:r>
+            <a:r>
+              <a:rPr lang="ro-RO" sz="3000" dirty="0">
+                <a:latin typeface="Avenir Medium"/>
+                <a:cs typeface="Avenir Medium"/>
+              </a:rPr>
+              <a:t> of `</a:t>
+            </a:r>
+            <a:r>
+              <a:rPr lang="ro-RO" sz="3000" dirty="0" err="1">
+                <a:latin typeface="Avenir Medium"/>
+                <a:cs typeface="Avenir Medium"/>
+              </a:rPr>
+              <a:t>mutating</a:t>
+            </a:r>
+            <a:r>
+              <a:rPr lang="ro-RO" sz="3000" dirty="0">
+                <a:latin typeface="Avenir Medium"/>
+                <a:cs typeface="Avenir Medium"/>
+              </a:rPr>
+              <a:t> table` </a:t>
+            </a:r>
+            <a:r>
+              <a:rPr lang="ro-RO" sz="3000" dirty="0" err="1">
+                <a:latin typeface="Avenir Medium"/>
+                <a:cs typeface="Avenir Medium"/>
+              </a:rPr>
+              <a:t>error</a:t>
+            </a:r>
+            <a:endParaRPr lang="ro-RO" sz="2600" dirty="0">
               <a:latin typeface="Avenir Medium"/>
               <a:cs typeface="Avenir Medium"/>
             </a:endParaRPr>
@@ -9474,45 +9471,2587 @@
               <a:cs typeface="Avenir Medium"/>
             </a:endParaRPr>
           </a:p>
-          <a:p>
-            <a:endParaRPr lang="ro-RO" sz="3000" dirty="0">
-              <a:latin typeface="Avenir Medium"/>
-              <a:cs typeface="Avenir Medium"/>
-            </a:endParaRPr>
-          </a:p>
-          <a:p>
-            <a:pPr marL="82296" indent="0">
-              <a:buNone/>
-            </a:pPr>
-            <a:endParaRPr lang="ro-RO" sz="3000" dirty="0">
-              <a:latin typeface="Avenir Medium"/>
-              <a:cs typeface="Avenir Medium"/>
-            </a:endParaRPr>
-          </a:p>
-          <a:p>
-            <a:endParaRPr lang="ro-RO" sz="3000" dirty="0">
-              <a:latin typeface="Avenir Medium"/>
-              <a:cs typeface="Avenir Medium"/>
-            </a:endParaRPr>
-          </a:p>
-          <a:p>
-            <a:endParaRPr lang="ro-RO" sz="3000" dirty="0">
-              <a:latin typeface="Avenir Medium"/>
-              <a:cs typeface="Avenir Medium"/>
-            </a:endParaRPr>
-          </a:p>
-          <a:p>
-            <a:endParaRPr lang="ro-RO" sz="3000" dirty="0">
-              <a:latin typeface="Avenir Medium"/>
-              <a:cs typeface="Avenir Medium"/>
-            </a:endParaRPr>
-          </a:p>
         </p:txBody>
       </p:sp>
     </p:spTree>
     <p:extLst>
       <p:ext uri="{BB962C8B-B14F-4D97-AF65-F5344CB8AC3E}">
-        <p14:creationId xmlns:p14="http://schemas.microsoft.com/office/powerpoint/2010/main" val="1302709944"/>
+        <p14:creationId xmlns:p14="http://schemas.microsoft.com/office/powerpoint/2010/main" val="3893430905"/>
+      </p:ext>
+    </p:extLst>
+  </p:cSld>
+  <p:clrMapOvr>
+    <a:masterClrMapping/>
+  </p:clrMapOvr>
+  <p:transition>
+    <p:random/>
+  </p:transition>
+</p:sld>
+</file>
+
+<file path=ppt/slides/slide6.xml><?xml version="1.0" encoding="utf-8"?>
+<p:sld xmlns:a="http://schemas.openxmlformats.org/drawingml/2006/main" xmlns:r="http://schemas.openxmlformats.org/officeDocument/2006/relationships" xmlns:p="http://schemas.openxmlformats.org/presentationml/2006/main">
+  <p:cSld>
+    <p:spTree>
+      <p:nvGrpSpPr>
+        <p:cNvPr id="1" name=""/>
+        <p:cNvGrpSpPr/>
+        <p:nvPr/>
+      </p:nvGrpSpPr>
+      <p:grpSpPr>
+        <a:xfrm>
+          <a:off x="0" y="0"/>
+          <a:ext cx="0" cy="0"/>
+          <a:chOff x="0" y="0"/>
+          <a:chExt cx="0" cy="0"/>
+        </a:xfrm>
+      </p:grpSpPr>
+      <p:sp>
+        <p:nvSpPr>
+          <p:cNvPr id="2" name="Title 1"/>
+          <p:cNvSpPr>
+            <a:spLocks noGrp="1"/>
+          </p:cNvSpPr>
+          <p:nvPr>
+            <p:ph type="title"/>
+          </p:nvPr>
+        </p:nvSpPr>
+        <p:spPr>
+          <a:xfrm>
+            <a:off x="0" y="76200"/>
+            <a:ext cx="9144000" cy="1143000"/>
+          </a:xfrm>
+        </p:spPr>
+        <p:txBody>
+          <a:bodyPr anchor="ctr">
+            <a:normAutofit fontScale="90000"/>
+          </a:bodyPr>
+          <a:lstStyle/>
+          <a:p>
+            <a:pPr algn="ctr"/>
+            <a:r>
+              <a:rPr lang="ro-RO" sz="3600" dirty="0">
+                <a:latin typeface="American Typewriter"/>
+                <a:ea typeface="Arial Unicode MS" panose="020B0604020202020204" pitchFamily="34" charset="-128"/>
+                <a:cs typeface="American Typewriter"/>
+              </a:rPr>
+              <a:t>Script </a:t>
+            </a:r>
+            <a:r>
+              <a:rPr lang="ro-RO" sz="3600" b="1" dirty="0">
+                <a:latin typeface="American Typewriter"/>
+                <a:ea typeface="Arial Unicode MS" panose="020B0604020202020204" pitchFamily="34" charset="-128"/>
+                <a:cs typeface="American Typewriter"/>
+              </a:rPr>
+              <a:t>06-02a_en_triggers_invoices.sql</a:t>
+            </a:r>
+            <a:br>
+              <a:rPr lang="ro-RO" sz="3600" b="1" dirty="0">
+                <a:latin typeface="American Typewriter"/>
+                <a:ea typeface="Arial Unicode MS" panose="020B0604020202020204" pitchFamily="34" charset="-128"/>
+                <a:cs typeface="American Typewriter"/>
+              </a:rPr>
+            </a:br>
+            <a:r>
+              <a:rPr lang="ro-RO" sz="3600" b="1" dirty="0">
+                <a:latin typeface="American Typewriter"/>
+                <a:ea typeface="Arial Unicode MS" panose="020B0604020202020204" pitchFamily="34" charset="-128"/>
+                <a:cs typeface="American Typewriter"/>
+              </a:rPr>
+              <a:t>                                                                    </a:t>
+            </a:r>
+            <a:r>
+              <a:rPr lang="ro-RO" sz="3600" dirty="0">
+                <a:latin typeface="American Typewriter"/>
+                <a:ea typeface="Arial Unicode MS" panose="020B0604020202020204" pitchFamily="34" charset="-128"/>
+                <a:cs typeface="American Typewriter"/>
+              </a:rPr>
+              <a:t>(cont.)</a:t>
+            </a:r>
+            <a:endParaRPr lang="en-US" sz="3600" dirty="0">
+              <a:latin typeface="American Typewriter"/>
+              <a:ea typeface="Arial Unicode MS" panose="020B0604020202020204" pitchFamily="34" charset="-128"/>
+              <a:cs typeface="American Typewriter"/>
+            </a:endParaRPr>
+          </a:p>
+        </p:txBody>
+      </p:sp>
+      <p:sp>
+        <p:nvSpPr>
+          <p:cNvPr id="3" name="Content Placeholder 2"/>
+          <p:cNvSpPr>
+            <a:spLocks noGrp="1"/>
+          </p:cNvSpPr>
+          <p:nvPr>
+            <p:ph idx="1"/>
+          </p:nvPr>
+        </p:nvSpPr>
+        <p:spPr>
+          <a:xfrm>
+            <a:off x="586409" y="1321904"/>
+            <a:ext cx="8557591" cy="5536096"/>
+          </a:xfrm>
+        </p:spPr>
+        <p:txBody>
+          <a:bodyPr>
+            <a:normAutofit fontScale="62500" lnSpcReduction="20000"/>
+          </a:bodyPr>
+          <a:lstStyle/>
+          <a:p>
+            <a:r>
+              <a:rPr lang="en" sz="3000" dirty="0">
+                <a:latin typeface="Avenir Medium"/>
+                <a:cs typeface="Avenir Medium"/>
+              </a:rPr>
+              <a:t>UPDATE triggers for table INVOICES:</a:t>
+            </a:r>
+          </a:p>
+          <a:p>
+            <a:pPr lvl="1"/>
+            <a:r>
+              <a:rPr lang="en" sz="2600" dirty="0">
+                <a:latin typeface="Avenir Medium"/>
+                <a:cs typeface="Avenir Medium"/>
+              </a:rPr>
+              <a:t>A. test if attribute `</a:t>
+            </a:r>
+            <a:r>
+              <a:rPr lang="en" sz="2600" dirty="0" err="1">
+                <a:latin typeface="Avenir Medium"/>
+                <a:cs typeface="Avenir Medium"/>
+              </a:rPr>
+              <a:t>invoice_amount</a:t>
+            </a:r>
+            <a:r>
+              <a:rPr lang="en" sz="2600" dirty="0">
+                <a:latin typeface="Avenir Medium"/>
+                <a:cs typeface="Avenir Medium"/>
+              </a:rPr>
+              <a:t>` has been changed, but neither `</a:t>
+            </a:r>
+            <a:r>
+              <a:rPr lang="en" sz="2600" dirty="0" err="1">
+                <a:latin typeface="Avenir Medium"/>
+                <a:cs typeface="Avenir Medium"/>
+              </a:rPr>
+              <a:t>cust_id</a:t>
+            </a:r>
+            <a:r>
+              <a:rPr lang="en" sz="2600" dirty="0">
+                <a:latin typeface="Avenir Medium"/>
+                <a:cs typeface="Avenir Medium"/>
+              </a:rPr>
+              <a:t>` nor the year-month of `</a:t>
+            </a:r>
+            <a:r>
+              <a:rPr lang="en" sz="2600" dirty="0" err="1">
+                <a:latin typeface="Avenir Medium"/>
+                <a:cs typeface="Avenir Medium"/>
+              </a:rPr>
+              <a:t>invoice_date</a:t>
+            </a:r>
+            <a:r>
+              <a:rPr lang="en" sz="2600" dirty="0">
+                <a:latin typeface="Avenir Medium"/>
+                <a:cs typeface="Avenir Medium"/>
+              </a:rPr>
+              <a:t>`</a:t>
+            </a:r>
+          </a:p>
+          <a:p>
+            <a:pPr lvl="2"/>
+            <a:r>
+              <a:rPr lang="en" sz="2200" dirty="0">
+                <a:latin typeface="Avenir Medium"/>
+                <a:cs typeface="Avenir Medium"/>
+              </a:rPr>
+              <a:t>A.1 if so, then:	</a:t>
+            </a:r>
+          </a:p>
+          <a:p>
+            <a:pPr lvl="3"/>
+            <a:r>
+              <a:rPr lang="en" sz="1800" dirty="0">
+                <a:latin typeface="Avenir Medium"/>
+                <a:cs typeface="Avenir Medium"/>
+              </a:rPr>
+              <a:t>update "</a:t>
+            </a:r>
+            <a:r>
+              <a:rPr lang="en" sz="1800" dirty="0" err="1">
+                <a:latin typeface="Avenir Medium"/>
+                <a:cs typeface="Avenir Medium"/>
+              </a:rPr>
+              <a:t>CUSTOMERS.current_balance</a:t>
+            </a:r>
+            <a:r>
+              <a:rPr lang="en" sz="1800" dirty="0">
+                <a:latin typeface="Avenir Medium"/>
+                <a:cs typeface="Avenir Medium"/>
+              </a:rPr>
+              <a:t>"</a:t>
+            </a:r>
+          </a:p>
+          <a:p>
+            <a:pPr lvl="3"/>
+            <a:r>
+              <a:rPr lang="en" sz="1800" dirty="0">
+                <a:latin typeface="Avenir Medium"/>
+                <a:cs typeface="Avenir Medium"/>
+              </a:rPr>
+              <a:t>update "</a:t>
+            </a:r>
+            <a:r>
+              <a:rPr lang="en" sz="1800" dirty="0" err="1">
+                <a:latin typeface="Avenir Medium"/>
+                <a:cs typeface="Avenir Medium"/>
+              </a:rPr>
+              <a:t>MONTHS.sales_total</a:t>
+            </a:r>
+            <a:r>
+              <a:rPr lang="en" sz="1800" dirty="0">
+                <a:latin typeface="Avenir Medium"/>
+                <a:cs typeface="Avenir Medium"/>
+              </a:rPr>
+              <a:t>"</a:t>
+            </a:r>
+          </a:p>
+          <a:p>
+            <a:pPr lvl="3"/>
+            <a:r>
+              <a:rPr lang="en" sz="1800" dirty="0">
+                <a:latin typeface="Avenir Medium"/>
+                <a:cs typeface="Avenir Medium"/>
+              </a:rPr>
+              <a:t>update "</a:t>
+            </a:r>
+            <a:r>
+              <a:rPr lang="en" sz="1800" dirty="0" err="1">
+                <a:latin typeface="Avenir Medium"/>
+                <a:cs typeface="Avenir Medium"/>
+              </a:rPr>
+              <a:t>CUSTOMER_MONTHLY_STATS.sales_total</a:t>
+            </a:r>
+            <a:r>
+              <a:rPr lang="en" sz="1800" dirty="0">
+                <a:latin typeface="Avenir Medium"/>
+                <a:cs typeface="Avenir Medium"/>
+              </a:rPr>
+              <a:t>"</a:t>
+            </a:r>
+          </a:p>
+          <a:p>
+            <a:pPr lvl="2"/>
+            <a:r>
+              <a:rPr lang="en" sz="2200" dirty="0">
+                <a:latin typeface="Avenir Medium"/>
+                <a:cs typeface="Avenir Medium"/>
+              </a:rPr>
+              <a:t>A.2 if not, do nothing</a:t>
+            </a:r>
+          </a:p>
+          <a:p>
+            <a:pPr lvl="1"/>
+            <a:r>
+              <a:rPr lang="en" sz="2600" dirty="0">
+                <a:latin typeface="Avenir Medium"/>
+                <a:cs typeface="Avenir Medium"/>
+              </a:rPr>
+              <a:t>B. test if the year-month of `</a:t>
+            </a:r>
+            <a:r>
+              <a:rPr lang="en" sz="2600" dirty="0" err="1">
+                <a:latin typeface="Avenir Medium"/>
+                <a:cs typeface="Avenir Medium"/>
+              </a:rPr>
+              <a:t>invoice_date</a:t>
+            </a:r>
+            <a:r>
+              <a:rPr lang="en" sz="2600" dirty="0">
+                <a:latin typeface="Avenir Medium"/>
+                <a:cs typeface="Avenir Medium"/>
+              </a:rPr>
+              <a:t>` or the `</a:t>
+            </a:r>
+            <a:r>
+              <a:rPr lang="en" sz="2600" dirty="0" err="1">
+                <a:latin typeface="Avenir Medium"/>
+                <a:cs typeface="Avenir Medium"/>
+              </a:rPr>
+              <a:t>cust_id</a:t>
+            </a:r>
+            <a:r>
+              <a:rPr lang="en" sz="2600" dirty="0">
+                <a:latin typeface="Avenir Medium"/>
+                <a:cs typeface="Avenir Medium"/>
+              </a:rPr>
+              <a:t>` were changed </a:t>
+            </a:r>
+          </a:p>
+          <a:p>
+            <a:pPr lvl="2"/>
+            <a:r>
+              <a:rPr lang="en" sz="2200" dirty="0">
+                <a:latin typeface="Avenir Medium"/>
+                <a:cs typeface="Avenir Medium"/>
+              </a:rPr>
+              <a:t>B.1 if so, then: </a:t>
+            </a:r>
+          </a:p>
+          <a:p>
+            <a:pPr lvl="3"/>
+            <a:r>
+              <a:rPr lang="en" sz="1800" dirty="0">
+                <a:latin typeface="Avenir Medium"/>
+                <a:cs typeface="Avenir Medium"/>
+              </a:rPr>
+              <a:t>in table CUSTOMERS:</a:t>
+            </a:r>
+          </a:p>
+          <a:p>
+            <a:pPr lvl="4"/>
+            <a:r>
+              <a:rPr lang="en" sz="1800" dirty="0">
+                <a:latin typeface="Avenir Medium"/>
+                <a:cs typeface="Avenir Medium"/>
+              </a:rPr>
+              <a:t>decrease the `</a:t>
+            </a:r>
+            <a:r>
+              <a:rPr lang="en" sz="1800" dirty="0" err="1">
+                <a:latin typeface="Avenir Medium"/>
+                <a:cs typeface="Avenir Medium"/>
+              </a:rPr>
+              <a:t>current_balance</a:t>
+            </a:r>
+            <a:r>
+              <a:rPr lang="en" sz="1800" dirty="0">
+                <a:latin typeface="Avenir Medium"/>
+                <a:cs typeface="Avenir Medium"/>
+              </a:rPr>
+              <a:t>` with `:</a:t>
+            </a:r>
+            <a:r>
+              <a:rPr lang="en" sz="1800" dirty="0" err="1">
+                <a:latin typeface="Avenir Medium"/>
+                <a:cs typeface="Avenir Medium"/>
+              </a:rPr>
+              <a:t>OLD.invoice_amount</a:t>
+            </a:r>
+            <a:r>
+              <a:rPr lang="en" sz="1800" dirty="0">
+                <a:latin typeface="Avenir Medium"/>
+                <a:cs typeface="Avenir Medium"/>
+              </a:rPr>
+              <a:t>` for `:</a:t>
+            </a:r>
+            <a:r>
+              <a:rPr lang="en" sz="1800" dirty="0" err="1">
+                <a:latin typeface="Avenir Medium"/>
+                <a:cs typeface="Avenir Medium"/>
+              </a:rPr>
+              <a:t>OLD.cust_id</a:t>
+            </a:r>
+            <a:r>
+              <a:rPr lang="en" sz="1800" dirty="0">
+                <a:latin typeface="Avenir Medium"/>
+                <a:cs typeface="Avenir Medium"/>
+              </a:rPr>
+              <a:t>`</a:t>
+            </a:r>
+          </a:p>
+          <a:p>
+            <a:pPr lvl="4"/>
+            <a:r>
+              <a:rPr lang="en" sz="1800" dirty="0">
+                <a:latin typeface="Avenir Medium"/>
+                <a:cs typeface="Avenir Medium"/>
+              </a:rPr>
+              <a:t>increase the `</a:t>
+            </a:r>
+            <a:r>
+              <a:rPr lang="en" sz="1800" dirty="0" err="1">
+                <a:latin typeface="Avenir Medium"/>
+                <a:cs typeface="Avenir Medium"/>
+              </a:rPr>
+              <a:t>current_balance</a:t>
+            </a:r>
+            <a:r>
+              <a:rPr lang="en" sz="1800" dirty="0">
+                <a:latin typeface="Avenir Medium"/>
+                <a:cs typeface="Avenir Medium"/>
+              </a:rPr>
+              <a:t>` with `:</a:t>
+            </a:r>
+            <a:r>
+              <a:rPr lang="en" sz="1800" dirty="0" err="1">
+                <a:latin typeface="Avenir Medium"/>
+                <a:cs typeface="Avenir Medium"/>
+              </a:rPr>
+              <a:t>NEW.invoice_amount</a:t>
+            </a:r>
+            <a:r>
+              <a:rPr lang="en" sz="1800" dirty="0">
+                <a:latin typeface="Avenir Medium"/>
+                <a:cs typeface="Avenir Medium"/>
+              </a:rPr>
+              <a:t>` for `:</a:t>
+            </a:r>
+            <a:r>
+              <a:rPr lang="en" sz="1800" dirty="0" err="1">
+                <a:latin typeface="Avenir Medium"/>
+                <a:cs typeface="Avenir Medium"/>
+              </a:rPr>
+              <a:t>NEW.cust_id</a:t>
+            </a:r>
+            <a:r>
+              <a:rPr lang="en" sz="1800" dirty="0">
+                <a:latin typeface="Avenir Medium"/>
+                <a:cs typeface="Avenir Medium"/>
+              </a:rPr>
+              <a:t>`</a:t>
+            </a:r>
+          </a:p>
+          <a:p>
+            <a:pPr lvl="3"/>
+            <a:r>
+              <a:rPr lang="en" sz="1800" dirty="0">
+                <a:latin typeface="Avenir Medium"/>
+                <a:cs typeface="Avenir Medium"/>
+              </a:rPr>
+              <a:t>in table MONTHS:</a:t>
+            </a:r>
+          </a:p>
+          <a:p>
+            <a:pPr lvl="4"/>
+            <a:r>
+              <a:rPr lang="en" sz="1800" dirty="0">
+                <a:latin typeface="Avenir Medium"/>
+                <a:cs typeface="Avenir Medium"/>
+              </a:rPr>
+              <a:t>decrease `</a:t>
+            </a:r>
+            <a:r>
+              <a:rPr lang="en" sz="1800" dirty="0" err="1">
+                <a:latin typeface="Avenir Medium"/>
+                <a:cs typeface="Avenir Medium"/>
+              </a:rPr>
+              <a:t>sales_total</a:t>
+            </a:r>
+            <a:r>
+              <a:rPr lang="en" sz="1800" dirty="0">
+                <a:latin typeface="Avenir Medium"/>
+                <a:cs typeface="Avenir Medium"/>
+              </a:rPr>
+              <a:t>` with `:</a:t>
+            </a:r>
+            <a:r>
+              <a:rPr lang="en" sz="1800" dirty="0" err="1">
+                <a:latin typeface="Avenir Medium"/>
+                <a:cs typeface="Avenir Medium"/>
+              </a:rPr>
+              <a:t>OLD.invoice_amount</a:t>
+            </a:r>
+            <a:r>
+              <a:rPr lang="en" sz="1800" dirty="0">
+                <a:latin typeface="Avenir Medium"/>
+                <a:cs typeface="Avenir Medium"/>
+              </a:rPr>
+              <a:t>` for the old month </a:t>
+            </a:r>
+          </a:p>
+          <a:p>
+            <a:pPr lvl="4"/>
+            <a:r>
+              <a:rPr lang="en" sz="1800" dirty="0">
+                <a:latin typeface="Avenir Medium"/>
+                <a:cs typeface="Avenir Medium"/>
+              </a:rPr>
+              <a:t>increase `</a:t>
+            </a:r>
+            <a:r>
+              <a:rPr lang="en" sz="1800" dirty="0" err="1">
+                <a:latin typeface="Avenir Medium"/>
+                <a:cs typeface="Avenir Medium"/>
+              </a:rPr>
+              <a:t>sales_total</a:t>
+            </a:r>
+            <a:r>
+              <a:rPr lang="en" sz="1800" dirty="0">
+                <a:latin typeface="Avenir Medium"/>
+                <a:cs typeface="Avenir Medium"/>
+              </a:rPr>
+              <a:t>" with `:</a:t>
+            </a:r>
+            <a:r>
+              <a:rPr lang="en" sz="1800" dirty="0" err="1">
+                <a:latin typeface="Avenir Medium"/>
+                <a:cs typeface="Avenir Medium"/>
+              </a:rPr>
+              <a:t>NEW.invoice_amount</a:t>
+            </a:r>
+            <a:r>
+              <a:rPr lang="en" sz="1800" dirty="0">
+                <a:latin typeface="Avenir Medium"/>
+                <a:cs typeface="Avenir Medium"/>
+              </a:rPr>
+              <a:t>` for the new month; (do not forget to check there is a record in MONTHS for the new month)</a:t>
+            </a:r>
+          </a:p>
+          <a:p>
+            <a:pPr lvl="3"/>
+            <a:r>
+              <a:rPr lang="en" sz="1800" dirty="0">
+                <a:latin typeface="Avenir Medium"/>
+                <a:cs typeface="Avenir Medium"/>
+              </a:rPr>
+              <a:t>in table CUSTOMER_MONTHLY_STATS:</a:t>
+            </a:r>
+          </a:p>
+          <a:p>
+            <a:pPr lvl="4"/>
+            <a:r>
+              <a:rPr lang="en" sz="1800" dirty="0">
+                <a:latin typeface="Avenir Medium"/>
+                <a:cs typeface="Avenir Medium"/>
+              </a:rPr>
+              <a:t>decrease `</a:t>
+            </a:r>
+            <a:r>
+              <a:rPr lang="en" sz="1800" dirty="0" err="1">
+                <a:latin typeface="Avenir Medium"/>
+                <a:cs typeface="Avenir Medium"/>
+              </a:rPr>
+              <a:t>sales_total</a:t>
+            </a:r>
+            <a:r>
+              <a:rPr lang="en" sz="1800" dirty="0">
+                <a:latin typeface="Avenir Medium"/>
+                <a:cs typeface="Avenir Medium"/>
+              </a:rPr>
+              <a:t>` with `:</a:t>
+            </a:r>
+            <a:r>
+              <a:rPr lang="en" sz="1800" dirty="0" err="1">
+                <a:latin typeface="Avenir Medium"/>
+                <a:cs typeface="Avenir Medium"/>
+              </a:rPr>
+              <a:t>OLD.invoice_amount</a:t>
+            </a:r>
+            <a:r>
+              <a:rPr lang="en" sz="1800" dirty="0">
+                <a:latin typeface="Avenir Medium"/>
+                <a:cs typeface="Avenir Medium"/>
+              </a:rPr>
+              <a:t>` for the old month and  `:</a:t>
+            </a:r>
+            <a:r>
+              <a:rPr lang="en" sz="1800" dirty="0" err="1">
+                <a:latin typeface="Avenir Medium"/>
+                <a:cs typeface="Avenir Medium"/>
+              </a:rPr>
+              <a:t>OLD.cust_id</a:t>
+            </a:r>
+            <a:r>
+              <a:rPr lang="en" sz="1800" dirty="0">
+                <a:latin typeface="Avenir Medium"/>
+                <a:cs typeface="Avenir Medium"/>
+              </a:rPr>
+              <a:t>`</a:t>
+            </a:r>
+          </a:p>
+          <a:p>
+            <a:pPr lvl="4"/>
+            <a:r>
+              <a:rPr lang="en" sz="1800" dirty="0">
+                <a:latin typeface="Avenir Medium"/>
+                <a:cs typeface="Avenir Medium"/>
+              </a:rPr>
+              <a:t>increase `</a:t>
+            </a:r>
+            <a:r>
+              <a:rPr lang="en" sz="1800" dirty="0" err="1">
+                <a:latin typeface="Avenir Medium"/>
+                <a:cs typeface="Avenir Medium"/>
+              </a:rPr>
+              <a:t>sales_total</a:t>
+            </a:r>
+            <a:r>
+              <a:rPr lang="en" sz="1800" dirty="0">
+                <a:latin typeface="Avenir Medium"/>
+                <a:cs typeface="Avenir Medium"/>
+              </a:rPr>
+              <a:t>` with `:</a:t>
+            </a:r>
+            <a:r>
+              <a:rPr lang="en" sz="1800" dirty="0" err="1">
+                <a:latin typeface="Avenir Medium"/>
+                <a:cs typeface="Avenir Medium"/>
+              </a:rPr>
+              <a:t>NEW.invoice_amount</a:t>
+            </a:r>
+            <a:r>
+              <a:rPr lang="en" sz="1800" dirty="0">
+                <a:latin typeface="Avenir Medium"/>
+                <a:cs typeface="Avenir Medium"/>
+              </a:rPr>
+              <a:t>` for the new month and  `:</a:t>
+            </a:r>
+            <a:r>
+              <a:rPr lang="en" sz="1800" dirty="0" err="1">
+                <a:latin typeface="Avenir Medium"/>
+                <a:cs typeface="Avenir Medium"/>
+              </a:rPr>
+              <a:t>NEW.cust_id</a:t>
+            </a:r>
+            <a:r>
+              <a:rPr lang="en" sz="1800" dirty="0">
+                <a:latin typeface="Avenir Medium"/>
+                <a:cs typeface="Avenir Medium"/>
+              </a:rPr>
+              <a:t>` (do not forget to check there is a record in CUSTOMER_MONTHLY_STATS for the new month and `:</a:t>
+            </a:r>
+            <a:r>
+              <a:rPr lang="en" sz="1800" dirty="0" err="1">
+                <a:latin typeface="Avenir Medium"/>
+                <a:cs typeface="Avenir Medium"/>
+              </a:rPr>
+              <a:t>NEW.cust_id</a:t>
+            </a:r>
+            <a:r>
+              <a:rPr lang="en" sz="1800" dirty="0">
+                <a:latin typeface="Avenir Medium"/>
+                <a:cs typeface="Avenir Medium"/>
+              </a:rPr>
+              <a:t>`)</a:t>
+            </a:r>
+          </a:p>
+          <a:p>
+            <a:pPr lvl="3"/>
+            <a:r>
+              <a:rPr lang="en" sz="1800" dirty="0">
+                <a:latin typeface="Avenir Medium"/>
+                <a:cs typeface="Avenir Medium"/>
+              </a:rPr>
+              <a:t>test if the year-month of `</a:t>
+            </a:r>
+            <a:r>
+              <a:rPr lang="en" sz="1800" dirty="0" err="1">
+                <a:latin typeface="Avenir Medium"/>
+                <a:cs typeface="Avenir Medium"/>
+              </a:rPr>
+              <a:t>invoice_date</a:t>
+            </a:r>
+            <a:r>
+              <a:rPr lang="en" sz="1800" dirty="0">
+                <a:latin typeface="Avenir Medium"/>
+                <a:cs typeface="Avenir Medium"/>
+              </a:rPr>
+              <a:t>` was changed </a:t>
+            </a:r>
+          </a:p>
+          <a:p>
+            <a:pPr lvl="4"/>
+            <a:r>
+              <a:rPr lang="en" sz="1800" dirty="0">
+                <a:latin typeface="Avenir Medium"/>
+                <a:cs typeface="Avenir Medium"/>
+              </a:rPr>
+              <a:t>B.1.1 if so, then:	</a:t>
+            </a:r>
+          </a:p>
+          <a:p>
+            <a:pPr lvl="5"/>
+            <a:r>
+              <a:rPr lang="en" sz="1800" dirty="0">
+                <a:latin typeface="Avenir Medium"/>
+                <a:cs typeface="Avenir Medium"/>
+              </a:rPr>
+              <a:t>in table PRODUCT_MONTHLY_STATS, 			</a:t>
+            </a:r>
+          </a:p>
+          <a:p>
+            <a:pPr lvl="6"/>
+            <a:r>
+              <a:rPr lang="en" sz="1800" dirty="0">
+                <a:latin typeface="Avenir Medium"/>
+                <a:cs typeface="Avenir Medium"/>
+              </a:rPr>
+              <a:t>decrease `sales` for all products in `:</a:t>
+            </a:r>
+            <a:r>
+              <a:rPr lang="en" sz="1800" dirty="0" err="1">
+                <a:latin typeface="Avenir Medium"/>
+                <a:cs typeface="Avenir Medium"/>
+              </a:rPr>
+              <a:t>OLD.invoice_id</a:t>
+            </a:r>
+            <a:r>
+              <a:rPr lang="en" sz="1800" dirty="0">
+                <a:latin typeface="Avenir Medium"/>
+                <a:cs typeface="Avenir Medium"/>
+              </a:rPr>
+              <a:t>` for the old month</a:t>
+            </a:r>
+          </a:p>
+          <a:p>
+            <a:pPr lvl="6"/>
+            <a:r>
+              <a:rPr lang="en" sz="1800" dirty="0">
+                <a:latin typeface="Avenir Medium"/>
+                <a:cs typeface="Avenir Medium"/>
+              </a:rPr>
+              <a:t>increase `sales` for all products in `:</a:t>
+            </a:r>
+            <a:r>
+              <a:rPr lang="en" sz="1800" dirty="0" err="1">
+                <a:latin typeface="Avenir Medium"/>
+                <a:cs typeface="Avenir Medium"/>
+              </a:rPr>
+              <a:t>NEW.invoice_id</a:t>
+            </a:r>
+            <a:r>
+              <a:rPr lang="en" sz="1800" dirty="0">
+                <a:latin typeface="Avenir Medium"/>
+                <a:cs typeface="Avenir Medium"/>
+              </a:rPr>
+              <a:t>` for the new month			</a:t>
+            </a:r>
+          </a:p>
+          <a:p>
+            <a:pPr lvl="4"/>
+            <a:r>
+              <a:rPr lang="en" sz="1800" dirty="0">
+                <a:latin typeface="Avenir Medium"/>
+                <a:cs typeface="Avenir Medium"/>
+              </a:rPr>
+              <a:t>B.1.2 of not, do nothing	</a:t>
+            </a:r>
+          </a:p>
+          <a:p>
+            <a:pPr lvl="2"/>
+            <a:r>
+              <a:rPr lang="en" sz="2200" dirty="0">
+                <a:latin typeface="Avenir Medium"/>
+                <a:cs typeface="Avenir Medium"/>
+              </a:rPr>
+              <a:t>B.2 if not, do nothing</a:t>
+            </a:r>
+          </a:p>
+        </p:txBody>
+      </p:sp>
+    </p:spTree>
+    <p:extLst>
+      <p:ext uri="{BB962C8B-B14F-4D97-AF65-F5344CB8AC3E}">
+        <p14:creationId xmlns:p14="http://schemas.microsoft.com/office/powerpoint/2010/main" val="67892751"/>
+      </p:ext>
+    </p:extLst>
+  </p:cSld>
+  <p:clrMapOvr>
+    <a:masterClrMapping/>
+  </p:clrMapOvr>
+  <p:transition>
+    <p:random/>
+  </p:transition>
+</p:sld>
+</file>
+
+<file path=ppt/slides/slide7.xml><?xml version="1.0" encoding="utf-8"?>
+<p:sld xmlns:a="http://schemas.openxmlformats.org/drawingml/2006/main" xmlns:r="http://schemas.openxmlformats.org/officeDocument/2006/relationships" xmlns:p="http://schemas.openxmlformats.org/presentationml/2006/main">
+  <p:cSld>
+    <p:spTree>
+      <p:nvGrpSpPr>
+        <p:cNvPr id="1" name=""/>
+        <p:cNvGrpSpPr/>
+        <p:nvPr/>
+      </p:nvGrpSpPr>
+      <p:grpSpPr>
+        <a:xfrm>
+          <a:off x="0" y="0"/>
+          <a:ext cx="0" cy="0"/>
+          <a:chOff x="0" y="0"/>
+          <a:chExt cx="0" cy="0"/>
+        </a:xfrm>
+      </p:grpSpPr>
+      <p:sp>
+        <p:nvSpPr>
+          <p:cNvPr id="2" name="Title 1"/>
+          <p:cNvSpPr>
+            <a:spLocks noGrp="1"/>
+          </p:cNvSpPr>
+          <p:nvPr>
+            <p:ph type="title"/>
+          </p:nvPr>
+        </p:nvSpPr>
+        <p:spPr>
+          <a:xfrm>
+            <a:off x="0" y="76200"/>
+            <a:ext cx="9144000" cy="1143000"/>
+          </a:xfrm>
+        </p:spPr>
+        <p:txBody>
+          <a:bodyPr anchor="ctr">
+            <a:normAutofit fontScale="90000"/>
+          </a:bodyPr>
+          <a:lstStyle/>
+          <a:p>
+            <a:pPr algn="ctr"/>
+            <a:r>
+              <a:rPr lang="ro-RO" sz="3600" dirty="0">
+                <a:latin typeface="American Typewriter"/>
+                <a:ea typeface="Arial Unicode MS" panose="020B0604020202020204" pitchFamily="34" charset="-128"/>
+                <a:cs typeface="American Typewriter"/>
+              </a:rPr>
+              <a:t>Script </a:t>
+            </a:r>
+            <a:r>
+              <a:rPr lang="ro-RO" sz="3600" b="1" dirty="0">
+                <a:latin typeface="American Typewriter"/>
+                <a:ea typeface="Arial Unicode MS" panose="020B0604020202020204" pitchFamily="34" charset="-128"/>
+                <a:cs typeface="American Typewriter"/>
+              </a:rPr>
+              <a:t>06-02a_en_triggers_invoices.sql</a:t>
+            </a:r>
+            <a:br>
+              <a:rPr lang="ro-RO" sz="3600" b="1" dirty="0">
+                <a:latin typeface="American Typewriter"/>
+                <a:ea typeface="Arial Unicode MS" panose="020B0604020202020204" pitchFamily="34" charset="-128"/>
+                <a:cs typeface="American Typewriter"/>
+              </a:rPr>
+            </a:br>
+            <a:r>
+              <a:rPr lang="ro-RO" sz="3600" b="1" dirty="0">
+                <a:latin typeface="American Typewriter"/>
+                <a:ea typeface="Arial Unicode MS" panose="020B0604020202020204" pitchFamily="34" charset="-128"/>
+                <a:cs typeface="American Typewriter"/>
+              </a:rPr>
+              <a:t>                                                                    </a:t>
+            </a:r>
+            <a:r>
+              <a:rPr lang="ro-RO" sz="3600" dirty="0">
+                <a:latin typeface="American Typewriter"/>
+                <a:ea typeface="Arial Unicode MS" panose="020B0604020202020204" pitchFamily="34" charset="-128"/>
+                <a:cs typeface="American Typewriter"/>
+              </a:rPr>
+              <a:t>(cont.)</a:t>
+            </a:r>
+            <a:endParaRPr lang="en-US" sz="3600" dirty="0">
+              <a:latin typeface="American Typewriter"/>
+              <a:ea typeface="Arial Unicode MS" panose="020B0604020202020204" pitchFamily="34" charset="-128"/>
+              <a:cs typeface="American Typewriter"/>
+            </a:endParaRPr>
+          </a:p>
+        </p:txBody>
+      </p:sp>
+      <p:sp>
+        <p:nvSpPr>
+          <p:cNvPr id="3" name="Content Placeholder 2"/>
+          <p:cNvSpPr>
+            <a:spLocks noGrp="1"/>
+          </p:cNvSpPr>
+          <p:nvPr>
+            <p:ph idx="1"/>
+          </p:nvPr>
+        </p:nvSpPr>
+        <p:spPr>
+          <a:xfrm>
+            <a:off x="586409" y="1321904"/>
+            <a:ext cx="8557591" cy="5459896"/>
+          </a:xfrm>
+        </p:spPr>
+        <p:txBody>
+          <a:bodyPr>
+            <a:normAutofit fontScale="70000" lnSpcReduction="20000"/>
+          </a:bodyPr>
+          <a:lstStyle/>
+          <a:p>
+            <a:r>
+              <a:rPr lang="en" sz="3000" dirty="0">
+                <a:latin typeface="Avenir Medium"/>
+                <a:cs typeface="Avenir Medium"/>
+              </a:rPr>
+              <a:t>DELETE triggers for table INVOICES :</a:t>
+            </a:r>
+          </a:p>
+          <a:p>
+            <a:pPr lvl="1"/>
+            <a:r>
+              <a:rPr lang="en" sz="2600" dirty="0">
+                <a:latin typeface="Avenir Medium"/>
+                <a:cs typeface="Avenir Medium"/>
+              </a:rPr>
+              <a:t>BEFORE – ROW:</a:t>
+            </a:r>
+          </a:p>
+          <a:p>
+            <a:pPr lvl="2"/>
+            <a:r>
+              <a:rPr lang="en" sz="2200" dirty="0">
+                <a:latin typeface="Avenir Medium"/>
+                <a:cs typeface="Avenir Medium"/>
+              </a:rPr>
+              <a:t>no tasks</a:t>
+            </a:r>
+          </a:p>
+          <a:p>
+            <a:pPr lvl="1"/>
+            <a:r>
+              <a:rPr lang="en" sz="2600" dirty="0">
+                <a:latin typeface="Avenir Medium"/>
+                <a:cs typeface="Avenir Medium"/>
+              </a:rPr>
+              <a:t>AFTER ROW</a:t>
+            </a:r>
+          </a:p>
+          <a:p>
+            <a:pPr lvl="2"/>
+            <a:r>
+              <a:rPr lang="en" sz="2200" dirty="0">
+                <a:latin typeface="Avenir Medium"/>
+                <a:cs typeface="Avenir Medium"/>
+              </a:rPr>
+              <a:t>update "</a:t>
+            </a:r>
+            <a:r>
+              <a:rPr lang="en" sz="2200" dirty="0" err="1">
+                <a:latin typeface="Avenir Medium"/>
+                <a:cs typeface="Avenir Medium"/>
+              </a:rPr>
+              <a:t>customers.current_balance</a:t>
+            </a:r>
+            <a:r>
+              <a:rPr lang="en" sz="2200" dirty="0">
+                <a:latin typeface="Avenir Medium"/>
+                <a:cs typeface="Avenir Medium"/>
+              </a:rPr>
+              <a:t>"</a:t>
+            </a:r>
+          </a:p>
+          <a:p>
+            <a:pPr lvl="2"/>
+            <a:r>
+              <a:rPr lang="en" sz="2200" dirty="0">
+                <a:latin typeface="Avenir Medium"/>
+                <a:cs typeface="Avenir Medium"/>
+              </a:rPr>
+              <a:t>update "</a:t>
+            </a:r>
+            <a:r>
+              <a:rPr lang="en" sz="2200" dirty="0" err="1">
+                <a:latin typeface="Avenir Medium"/>
+                <a:cs typeface="Avenir Medium"/>
+              </a:rPr>
+              <a:t>months.sales_total</a:t>
+            </a:r>
+            <a:r>
+              <a:rPr lang="en" sz="2200" dirty="0">
+                <a:latin typeface="Avenir Medium"/>
+                <a:cs typeface="Avenir Medium"/>
+              </a:rPr>
+              <a:t>" </a:t>
+            </a:r>
+          </a:p>
+          <a:p>
+            <a:pPr lvl="2"/>
+            <a:r>
+              <a:rPr lang="en" sz="2200" dirty="0">
+                <a:latin typeface="Avenir Medium"/>
+                <a:cs typeface="Avenir Medium"/>
+              </a:rPr>
+              <a:t>update "</a:t>
+            </a:r>
+            <a:r>
+              <a:rPr lang="en" sz="2200" dirty="0" err="1">
+                <a:latin typeface="Avenir Medium"/>
+                <a:cs typeface="Avenir Medium"/>
+              </a:rPr>
+              <a:t>customer_monthly_stats.sales</a:t>
+            </a:r>
+            <a:r>
+              <a:rPr lang="en" sz="2200" dirty="0">
+                <a:latin typeface="Avenir Medium"/>
+                <a:cs typeface="Avenir Medium"/>
+              </a:rPr>
+              <a:t>"</a:t>
+            </a:r>
+          </a:p>
+          <a:p>
+            <a:r>
+              <a:rPr lang="en" sz="3000" dirty="0">
+                <a:latin typeface="Avenir Medium"/>
+                <a:cs typeface="Avenir Medium"/>
+              </a:rPr>
+              <a:t>Note: Since payments, refusals and/or cancellations may occur in other months than `</a:t>
+            </a:r>
+            <a:r>
+              <a:rPr lang="en" sz="3000" dirty="0" err="1">
+                <a:latin typeface="Avenir Medium"/>
+                <a:cs typeface="Avenir Medium"/>
+              </a:rPr>
+              <a:t>invoice_date`’s</a:t>
+            </a:r>
+            <a:r>
+              <a:rPr lang="en" sz="3000" dirty="0">
+                <a:latin typeface="Avenir Medium"/>
+                <a:cs typeface="Avenir Medium"/>
+              </a:rPr>
+              <a:t>, with INVOICES triggers we DO NOT update:</a:t>
+            </a:r>
+          </a:p>
+          <a:p>
+            <a:pPr lvl="1"/>
+            <a:r>
+              <a:rPr lang="en" sz="2600" dirty="0">
+                <a:latin typeface="Avenir Medium"/>
+                <a:cs typeface="Avenir Medium"/>
+              </a:rPr>
+              <a:t>”</a:t>
+            </a:r>
+            <a:r>
+              <a:rPr lang="en" sz="2600" dirty="0" err="1">
+                <a:latin typeface="Avenir Medium"/>
+                <a:cs typeface="Avenir Medium"/>
+              </a:rPr>
+              <a:t>months.refusals_total</a:t>
+            </a:r>
+            <a:r>
+              <a:rPr lang="en" sz="2600" dirty="0">
+                <a:latin typeface="Avenir Medium"/>
+                <a:cs typeface="Avenir Medium"/>
+              </a:rPr>
+              <a:t>”</a:t>
+            </a:r>
+          </a:p>
+          <a:p>
+            <a:pPr lvl="1"/>
+            <a:r>
+              <a:rPr lang="en" sz="2600" dirty="0">
+                <a:latin typeface="Avenir Medium"/>
+                <a:cs typeface="Avenir Medium"/>
+              </a:rPr>
+              <a:t>”months. </a:t>
+            </a:r>
+            <a:r>
+              <a:rPr lang="en" sz="2600" dirty="0" err="1">
+                <a:latin typeface="Avenir Medium"/>
+                <a:cs typeface="Avenir Medium"/>
+              </a:rPr>
+              <a:t>cancellations_total</a:t>
+            </a:r>
+            <a:r>
+              <a:rPr lang="en" sz="2600" dirty="0">
+                <a:latin typeface="Avenir Medium"/>
+                <a:cs typeface="Avenir Medium"/>
+              </a:rPr>
+              <a:t>”</a:t>
+            </a:r>
+          </a:p>
+          <a:p>
+            <a:pPr lvl="1"/>
+            <a:r>
+              <a:rPr lang="en" sz="2600" dirty="0">
+                <a:latin typeface="Avenir Medium"/>
+                <a:cs typeface="Avenir Medium"/>
+              </a:rPr>
+              <a:t>“</a:t>
+            </a:r>
+            <a:r>
+              <a:rPr lang="en" sz="2600" dirty="0" err="1">
+                <a:latin typeface="Avenir Medium"/>
+                <a:cs typeface="Avenir Medium"/>
+              </a:rPr>
+              <a:t>months.received_total</a:t>
+            </a:r>
+            <a:r>
+              <a:rPr lang="en" sz="2600" dirty="0">
+                <a:latin typeface="Avenir Medium"/>
+                <a:cs typeface="Avenir Medium"/>
+              </a:rPr>
+              <a:t>" </a:t>
+            </a:r>
+          </a:p>
+          <a:p>
+            <a:pPr lvl="1"/>
+            <a:r>
+              <a:rPr lang="en" sz="2600" dirty="0">
+                <a:latin typeface="Avenir Medium"/>
+                <a:cs typeface="Avenir Medium"/>
+              </a:rPr>
+              <a:t>“</a:t>
+            </a:r>
+            <a:r>
+              <a:rPr lang="en" sz="2600" dirty="0" err="1">
+                <a:latin typeface="Avenir Medium"/>
+                <a:cs typeface="Avenir Medium"/>
+              </a:rPr>
+              <a:t>customer_monthly_stats.refusals</a:t>
+            </a:r>
+            <a:r>
+              <a:rPr lang="en" sz="2600" dirty="0">
+                <a:latin typeface="Avenir Medium"/>
+                <a:cs typeface="Avenir Medium"/>
+              </a:rPr>
+              <a:t>”</a:t>
+            </a:r>
+          </a:p>
+          <a:p>
+            <a:pPr lvl="1"/>
+            <a:r>
+              <a:rPr lang="en" sz="2600" dirty="0">
+                <a:latin typeface="Avenir Medium"/>
+                <a:cs typeface="Avenir Medium"/>
+              </a:rPr>
+              <a:t>“</a:t>
+            </a:r>
+            <a:r>
+              <a:rPr lang="en" sz="2600" dirty="0" err="1">
+                <a:latin typeface="Avenir Medium"/>
+                <a:cs typeface="Avenir Medium"/>
+              </a:rPr>
+              <a:t>customer_monthly_stats</a:t>
+            </a:r>
+            <a:r>
+              <a:rPr lang="en" sz="2600" dirty="0">
+                <a:latin typeface="Avenir Medium"/>
+                <a:cs typeface="Avenir Medium"/>
+              </a:rPr>
+              <a:t>. cancellations”</a:t>
+            </a:r>
+          </a:p>
+          <a:p>
+            <a:pPr lvl="1"/>
+            <a:r>
+              <a:rPr lang="en" sz="2600" dirty="0">
+                <a:latin typeface="Avenir Medium"/>
+                <a:cs typeface="Avenir Medium"/>
+              </a:rPr>
+              <a:t>“</a:t>
+            </a:r>
+            <a:r>
+              <a:rPr lang="en" sz="2600" dirty="0" err="1">
+                <a:latin typeface="Avenir Medium"/>
+                <a:cs typeface="Avenir Medium"/>
+              </a:rPr>
+              <a:t>customer_monthly_stats.received</a:t>
+            </a:r>
+            <a:r>
+              <a:rPr lang="en" sz="2600" dirty="0">
+                <a:latin typeface="Avenir Medium"/>
+                <a:cs typeface="Avenir Medium"/>
+              </a:rPr>
+              <a:t>”</a:t>
+            </a:r>
+          </a:p>
+          <a:p>
+            <a:pPr lvl="1"/>
+            <a:r>
+              <a:rPr lang="en" sz="2600" dirty="0">
+                <a:latin typeface="Avenir Medium"/>
+                <a:cs typeface="Avenir Medium"/>
+              </a:rPr>
+              <a:t>“</a:t>
+            </a:r>
+            <a:r>
+              <a:rPr lang="en" sz="2600" dirty="0" err="1">
+                <a:latin typeface="Avenir Medium"/>
+                <a:cs typeface="Avenir Medium"/>
+              </a:rPr>
+              <a:t>product_monthly_stats</a:t>
+            </a:r>
+            <a:r>
+              <a:rPr lang="en" sz="2600" dirty="0">
+                <a:latin typeface="Avenir Medium"/>
+                <a:cs typeface="Avenir Medium"/>
+              </a:rPr>
+              <a:t>. refusals”</a:t>
+            </a:r>
+          </a:p>
+          <a:p>
+            <a:pPr lvl="1"/>
+            <a:r>
+              <a:rPr lang="en" sz="2600" dirty="0">
+                <a:latin typeface="Avenir Medium"/>
+                <a:cs typeface="Avenir Medium"/>
+              </a:rPr>
+              <a:t>“</a:t>
+            </a:r>
+            <a:r>
+              <a:rPr lang="en" sz="2600" dirty="0" err="1">
+                <a:latin typeface="Avenir Medium"/>
+                <a:cs typeface="Avenir Medium"/>
+              </a:rPr>
+              <a:t>product_monthly_stats</a:t>
+            </a:r>
+            <a:r>
+              <a:rPr lang="en" sz="2600" dirty="0">
+                <a:latin typeface="Avenir Medium"/>
+                <a:cs typeface="Avenir Medium"/>
+              </a:rPr>
+              <a:t>. cancellations”</a:t>
+            </a:r>
+          </a:p>
+        </p:txBody>
+      </p:sp>
+    </p:spTree>
+    <p:extLst>
+      <p:ext uri="{BB962C8B-B14F-4D97-AF65-F5344CB8AC3E}">
+        <p14:creationId xmlns:p14="http://schemas.microsoft.com/office/powerpoint/2010/main" val="562251672"/>
+      </p:ext>
+    </p:extLst>
+  </p:cSld>
+  <p:clrMapOvr>
+    <a:masterClrMapping/>
+  </p:clrMapOvr>
+  <p:transition>
+    <p:random/>
+  </p:transition>
+</p:sld>
+</file>
+
+<file path=ppt/slides/slide8.xml><?xml version="1.0" encoding="utf-8"?>
+<p:sld xmlns:a="http://schemas.openxmlformats.org/drawingml/2006/main" xmlns:r="http://schemas.openxmlformats.org/officeDocument/2006/relationships" xmlns:p="http://schemas.openxmlformats.org/presentationml/2006/main">
+  <p:cSld>
+    <p:spTree>
+      <p:nvGrpSpPr>
+        <p:cNvPr id="1" name=""/>
+        <p:cNvGrpSpPr/>
+        <p:nvPr/>
+      </p:nvGrpSpPr>
+      <p:grpSpPr>
+        <a:xfrm>
+          <a:off x="0" y="0"/>
+          <a:ext cx="0" cy="0"/>
+          <a:chOff x="0" y="0"/>
+          <a:chExt cx="0" cy="0"/>
+        </a:xfrm>
+      </p:grpSpPr>
+      <p:sp>
+        <p:nvSpPr>
+          <p:cNvPr id="2" name="Title 1"/>
+          <p:cNvSpPr>
+            <a:spLocks noGrp="1"/>
+          </p:cNvSpPr>
+          <p:nvPr>
+            <p:ph type="title"/>
+          </p:nvPr>
+        </p:nvSpPr>
+        <p:spPr>
+          <a:xfrm>
+            <a:off x="0" y="6627"/>
+            <a:ext cx="9144000" cy="1143000"/>
+          </a:xfrm>
+        </p:spPr>
+        <p:txBody>
+          <a:bodyPr anchor="ctr">
+            <a:normAutofit/>
+          </a:bodyPr>
+          <a:lstStyle/>
+          <a:p>
+            <a:pPr algn="ctr"/>
+            <a:r>
+              <a:rPr lang="ro-RO" sz="2800" dirty="0">
+                <a:latin typeface="American Typewriter"/>
+                <a:ea typeface="Arial Unicode MS" panose="020B0604020202020204" pitchFamily="34" charset="-128"/>
+                <a:cs typeface="American Typewriter"/>
+              </a:rPr>
+              <a:t>Script </a:t>
+            </a:r>
+            <a:r>
+              <a:rPr lang="en" sz="2800" b="1" dirty="0">
+                <a:latin typeface="American Typewriter"/>
+                <a:ea typeface="Arial Unicode MS" panose="020B0604020202020204" pitchFamily="34" charset="-128"/>
+                <a:cs typeface="American Typewriter"/>
+              </a:rPr>
+              <a:t>06-02b_en_triggers__invoice_details.sql</a:t>
+            </a:r>
+            <a:endParaRPr lang="en-US" sz="2800" dirty="0">
+              <a:latin typeface="American Typewriter"/>
+              <a:ea typeface="Arial Unicode MS" panose="020B0604020202020204" pitchFamily="34" charset="-128"/>
+              <a:cs typeface="American Typewriter"/>
+            </a:endParaRPr>
+          </a:p>
+        </p:txBody>
+      </p:sp>
+      <p:sp>
+        <p:nvSpPr>
+          <p:cNvPr id="3" name="Content Placeholder 2"/>
+          <p:cNvSpPr>
+            <a:spLocks noGrp="1"/>
+          </p:cNvSpPr>
+          <p:nvPr>
+            <p:ph idx="1"/>
+          </p:nvPr>
+        </p:nvSpPr>
+        <p:spPr>
+          <a:xfrm>
+            <a:off x="609600" y="1149626"/>
+            <a:ext cx="8534400" cy="5681869"/>
+          </a:xfrm>
+        </p:spPr>
+        <p:txBody>
+          <a:bodyPr>
+            <a:normAutofit fontScale="85000" lnSpcReduction="20000"/>
+          </a:bodyPr>
+          <a:lstStyle/>
+          <a:p>
+            <a:r>
+              <a:rPr lang="ro-RO" sz="3000" dirty="0" err="1">
+                <a:latin typeface="Avenir Medium"/>
+                <a:cs typeface="Avenir Medium"/>
+              </a:rPr>
+              <a:t>Before</a:t>
+            </a:r>
+            <a:r>
+              <a:rPr lang="ro-RO" sz="3000" dirty="0">
+                <a:latin typeface="Avenir Medium"/>
+                <a:cs typeface="Avenir Medium"/>
+              </a:rPr>
+              <a:t> </a:t>
+            </a:r>
+            <a:r>
+              <a:rPr lang="ro-RO" sz="3000" dirty="0" err="1">
+                <a:latin typeface="Avenir Medium"/>
+                <a:cs typeface="Avenir Medium"/>
+              </a:rPr>
+              <a:t>following</a:t>
+            </a:r>
+            <a:r>
+              <a:rPr lang="ro-RO" sz="3000" dirty="0">
+                <a:latin typeface="Avenir Medium"/>
+                <a:cs typeface="Avenir Medium"/>
+              </a:rPr>
+              <a:t>/</a:t>
+            </a:r>
+            <a:r>
+              <a:rPr lang="ro-RO" sz="3000" dirty="0" err="1">
+                <a:latin typeface="Avenir Medium"/>
+                <a:cs typeface="Avenir Medium"/>
+              </a:rPr>
+              <a:t>executing</a:t>
+            </a:r>
+            <a:r>
+              <a:rPr lang="ro-RO" sz="3000" dirty="0">
+                <a:latin typeface="Avenir Medium"/>
+                <a:cs typeface="Avenir Medium"/>
+              </a:rPr>
+              <a:t> </a:t>
+            </a:r>
+            <a:r>
+              <a:rPr lang="ro-RO" sz="3000" dirty="0" err="1">
+                <a:latin typeface="Avenir Medium"/>
+                <a:cs typeface="Avenir Medium"/>
+              </a:rPr>
+              <a:t>the</a:t>
+            </a:r>
+            <a:r>
+              <a:rPr lang="ro-RO" sz="3000" dirty="0">
+                <a:latin typeface="Avenir Medium"/>
+                <a:cs typeface="Avenir Medium"/>
+              </a:rPr>
+              <a:t> script...</a:t>
+            </a:r>
+          </a:p>
+          <a:p>
+            <a:pPr lvl="1"/>
+            <a:r>
+              <a:rPr lang="ro-RO" sz="2600" dirty="0" err="1">
+                <a:latin typeface="Avenir Medium"/>
+                <a:cs typeface="Avenir Medium"/>
+              </a:rPr>
+              <a:t>Examine</a:t>
+            </a:r>
+            <a:r>
+              <a:rPr lang="ro-RO" sz="2600" dirty="0">
+                <a:latin typeface="Avenir Medium"/>
+                <a:cs typeface="Avenir Medium"/>
+              </a:rPr>
+              <a:t> </a:t>
+            </a:r>
+            <a:r>
+              <a:rPr lang="ro-RO" sz="2600" dirty="0" err="1">
+                <a:latin typeface="Avenir Medium"/>
+                <a:cs typeface="Avenir Medium"/>
+              </a:rPr>
+              <a:t>the</a:t>
+            </a:r>
+            <a:r>
+              <a:rPr lang="ro-RO" sz="2600" dirty="0">
+                <a:latin typeface="Avenir Medium"/>
+                <a:cs typeface="Avenir Medium"/>
+              </a:rPr>
+              <a:t> </a:t>
+            </a:r>
+            <a:r>
+              <a:rPr lang="ro-RO" sz="2600" dirty="0" err="1">
+                <a:latin typeface="Avenir Medium"/>
+                <a:cs typeface="Avenir Medium"/>
+              </a:rPr>
+              <a:t>computed</a:t>
+            </a:r>
+            <a:r>
+              <a:rPr lang="ro-RO" sz="2600" dirty="0">
+                <a:latin typeface="Avenir Medium"/>
+                <a:cs typeface="Avenir Medium"/>
+              </a:rPr>
+              <a:t> </a:t>
+            </a:r>
+            <a:r>
+              <a:rPr lang="ro-RO" sz="2600" dirty="0" err="1">
+                <a:latin typeface="Avenir Medium"/>
+                <a:cs typeface="Avenir Medium"/>
+              </a:rPr>
+              <a:t>attributes</a:t>
+            </a:r>
+            <a:r>
+              <a:rPr lang="ro-RO" sz="2600" dirty="0">
+                <a:latin typeface="Avenir Medium"/>
+                <a:cs typeface="Avenir Medium"/>
+              </a:rPr>
+              <a:t> in table INVOICE_DETAILS </a:t>
+            </a:r>
+          </a:p>
+          <a:p>
+            <a:pPr lvl="1"/>
+            <a:r>
+              <a:rPr lang="ro-RO" sz="2600" dirty="0" err="1">
+                <a:latin typeface="Avenir Medium"/>
+                <a:cs typeface="Avenir Medium"/>
+              </a:rPr>
+              <a:t>Identify</a:t>
+            </a:r>
+            <a:r>
+              <a:rPr lang="ro-RO" sz="2600" dirty="0">
+                <a:latin typeface="Avenir Medium"/>
+                <a:cs typeface="Avenir Medium"/>
+              </a:rPr>
+              <a:t> </a:t>
+            </a:r>
+            <a:r>
+              <a:rPr lang="ro-RO" sz="2600" dirty="0" err="1">
+                <a:latin typeface="Avenir Medium"/>
+                <a:cs typeface="Avenir Medium"/>
+              </a:rPr>
+              <a:t>other</a:t>
+            </a:r>
+            <a:r>
+              <a:rPr lang="ro-RO" sz="2600" dirty="0">
+                <a:latin typeface="Avenir Medium"/>
+                <a:cs typeface="Avenir Medium"/>
+              </a:rPr>
+              <a:t> </a:t>
+            </a:r>
+            <a:r>
+              <a:rPr lang="ro-RO" sz="2600" dirty="0" err="1">
+                <a:latin typeface="Avenir Medium"/>
+                <a:cs typeface="Avenir Medium"/>
+              </a:rPr>
+              <a:t>tables</a:t>
+            </a:r>
+            <a:r>
+              <a:rPr lang="ro-RO" sz="2600" dirty="0">
+                <a:latin typeface="Avenir Medium"/>
+                <a:cs typeface="Avenir Medium"/>
+              </a:rPr>
+              <a:t> </a:t>
+            </a:r>
+            <a:r>
+              <a:rPr lang="ro-RO" sz="2600" dirty="0" err="1">
+                <a:latin typeface="Avenir Medium"/>
+                <a:cs typeface="Avenir Medium"/>
+              </a:rPr>
+              <a:t>attributes</a:t>
+            </a:r>
+            <a:r>
+              <a:rPr lang="ro-RO" sz="2600" dirty="0">
+                <a:latin typeface="Avenir Medium"/>
+                <a:cs typeface="Avenir Medium"/>
+              </a:rPr>
+              <a:t> </a:t>
+            </a:r>
+            <a:r>
+              <a:rPr lang="ro-RO" sz="2600" dirty="0" err="1">
+                <a:latin typeface="Avenir Medium"/>
+                <a:cs typeface="Avenir Medium"/>
+              </a:rPr>
+              <a:t>that</a:t>
+            </a:r>
+            <a:r>
+              <a:rPr lang="ro-RO" sz="2600" dirty="0">
+                <a:latin typeface="Avenir Medium"/>
+                <a:cs typeface="Avenir Medium"/>
+              </a:rPr>
+              <a:t> must </a:t>
+            </a:r>
+            <a:r>
+              <a:rPr lang="ro-RO" sz="2600" dirty="0" err="1">
+                <a:latin typeface="Avenir Medium"/>
+                <a:cs typeface="Avenir Medium"/>
+              </a:rPr>
+              <a:t>be</a:t>
+            </a:r>
+            <a:r>
+              <a:rPr lang="ro-RO" sz="2600" dirty="0">
+                <a:latin typeface="Avenir Medium"/>
+                <a:cs typeface="Avenir Medium"/>
+              </a:rPr>
+              <a:t> </a:t>
+            </a:r>
+            <a:r>
+              <a:rPr lang="ro-RO" sz="2600" dirty="0" err="1">
+                <a:latin typeface="Avenir Medium"/>
+                <a:cs typeface="Avenir Medium"/>
+              </a:rPr>
+              <a:t>updated</a:t>
+            </a:r>
+            <a:r>
+              <a:rPr lang="ro-RO" sz="2600" dirty="0">
+                <a:latin typeface="Avenir Medium"/>
+                <a:cs typeface="Avenir Medium"/>
+              </a:rPr>
+              <a:t>/</a:t>
+            </a:r>
+            <a:r>
+              <a:rPr lang="ro-RO" sz="2600" dirty="0" err="1">
+                <a:latin typeface="Avenir Medium"/>
+                <a:cs typeface="Avenir Medium"/>
+              </a:rPr>
+              <a:t>synchronized</a:t>
+            </a:r>
+            <a:r>
+              <a:rPr lang="ro-RO" sz="2600" dirty="0">
+                <a:latin typeface="Avenir Medium"/>
+                <a:cs typeface="Avenir Medium"/>
+              </a:rPr>
+              <a:t> </a:t>
+            </a:r>
+            <a:r>
+              <a:rPr lang="ro-RO" sz="2600" dirty="0" err="1">
+                <a:latin typeface="Avenir Medium"/>
+                <a:cs typeface="Avenir Medium"/>
+              </a:rPr>
+              <a:t>through</a:t>
+            </a:r>
+            <a:r>
+              <a:rPr lang="ro-RO" sz="2600" dirty="0">
+                <a:latin typeface="Avenir Medium"/>
+                <a:cs typeface="Avenir Medium"/>
+              </a:rPr>
+              <a:t> </a:t>
+            </a:r>
+            <a:r>
+              <a:rPr lang="ro-RO" sz="2600" dirty="0" err="1">
+                <a:latin typeface="Avenir Medium"/>
+                <a:cs typeface="Avenir Medium"/>
+              </a:rPr>
+              <a:t>INVOICE_DETAILS’s</a:t>
+            </a:r>
+            <a:r>
+              <a:rPr lang="ro-RO" sz="2600" dirty="0">
+                <a:latin typeface="Avenir Medium"/>
+                <a:cs typeface="Avenir Medium"/>
+              </a:rPr>
+              <a:t> </a:t>
+            </a:r>
+            <a:r>
+              <a:rPr lang="ro-RO" sz="2600" dirty="0" err="1">
+                <a:latin typeface="Avenir Medium"/>
+                <a:cs typeface="Avenir Medium"/>
+              </a:rPr>
+              <a:t>triggers</a:t>
+            </a:r>
+            <a:endParaRPr lang="ro-RO" sz="2600" dirty="0">
+              <a:latin typeface="Avenir Medium"/>
+              <a:cs typeface="Avenir Medium"/>
+            </a:endParaRPr>
+          </a:p>
+          <a:p>
+            <a:r>
+              <a:rPr lang="en" sz="3000" dirty="0">
+                <a:latin typeface="Avenir Medium"/>
+                <a:cs typeface="Avenir Medium"/>
+              </a:rPr>
+              <a:t>I. INSERT triggers for table INVOICE_DETAILS</a:t>
+            </a:r>
+          </a:p>
+          <a:p>
+            <a:pPr lvl="1"/>
+            <a:r>
+              <a:rPr lang="en" sz="2600" dirty="0" err="1">
+                <a:latin typeface="Avenir Medium"/>
+                <a:cs typeface="Avenir Medium"/>
+              </a:rPr>
+              <a:t>I.a</a:t>
+            </a:r>
+            <a:r>
+              <a:rPr lang="en" sz="2600" dirty="0">
+                <a:latin typeface="Avenir Medium"/>
+                <a:cs typeface="Avenir Medium"/>
+              </a:rPr>
+              <a:t> Tasks for the INSERT - BEFORE - ROW trigger</a:t>
+            </a:r>
+          </a:p>
+          <a:p>
+            <a:pPr lvl="2"/>
+            <a:r>
+              <a:rPr lang="en" sz="2200" dirty="0">
+                <a:latin typeface="Avenir Medium"/>
+                <a:cs typeface="Avenir Medium"/>
+              </a:rPr>
+              <a:t>attribute "</a:t>
+            </a:r>
+            <a:r>
+              <a:rPr lang="en" sz="2200" dirty="0" err="1">
+                <a:latin typeface="Avenir Medium"/>
+                <a:cs typeface="Avenir Medium"/>
+              </a:rPr>
+              <a:t>invoice_details.row_number</a:t>
+            </a:r>
+            <a:r>
+              <a:rPr lang="en" sz="2200" dirty="0">
+                <a:latin typeface="Avenir Medium"/>
+                <a:cs typeface="Avenir Medium"/>
+              </a:rPr>
+              <a:t>" must be determined based on attribute "</a:t>
+            </a:r>
+            <a:r>
+              <a:rPr lang="en" sz="2200" dirty="0" err="1">
+                <a:latin typeface="Avenir Medium"/>
+                <a:cs typeface="Avenir Medium"/>
+              </a:rPr>
+              <a:t>invoices.n_of_rows</a:t>
+            </a:r>
+            <a:r>
+              <a:rPr lang="en" sz="2200" dirty="0">
+                <a:latin typeface="Avenir Medium"/>
+                <a:cs typeface="Avenir Medium"/>
+              </a:rPr>
+              <a:t>" for current invoice </a:t>
+            </a:r>
+          </a:p>
+          <a:p>
+            <a:pPr lvl="2"/>
+            <a:r>
+              <a:rPr lang="en" sz="2200" dirty="0">
+                <a:latin typeface="Avenir Medium"/>
+                <a:cs typeface="Avenir Medium"/>
+              </a:rPr>
+              <a:t>attribute "</a:t>
+            </a:r>
+            <a:r>
+              <a:rPr lang="en" sz="2200" dirty="0" err="1">
+                <a:latin typeface="Avenir Medium"/>
+                <a:cs typeface="Avenir Medium"/>
+              </a:rPr>
+              <a:t>invoice_details.row_vat</a:t>
+            </a:r>
+            <a:r>
+              <a:rPr lang="en" sz="2200" dirty="0">
+                <a:latin typeface="Avenir Medium"/>
+                <a:cs typeface="Avenir Medium"/>
+              </a:rPr>
+              <a:t>" must be determined based on attributes "</a:t>
+            </a:r>
+            <a:r>
+              <a:rPr lang="en" sz="2200" dirty="0" err="1">
+                <a:latin typeface="Avenir Medium"/>
+                <a:cs typeface="Avenir Medium"/>
+              </a:rPr>
+              <a:t>invoice_details.quantity</a:t>
+            </a:r>
+            <a:r>
+              <a:rPr lang="en" sz="2200" dirty="0">
+                <a:latin typeface="Avenir Medium"/>
+                <a:cs typeface="Avenir Medium"/>
+              </a:rPr>
+              <a:t>", "</a:t>
+            </a:r>
+            <a:r>
+              <a:rPr lang="en" sz="2200" dirty="0" err="1">
+                <a:latin typeface="Avenir Medium"/>
+                <a:cs typeface="Avenir Medium"/>
+              </a:rPr>
+              <a:t>invoice_details.unit_price</a:t>
+            </a:r>
+            <a:r>
+              <a:rPr lang="en" sz="2200" dirty="0">
+                <a:latin typeface="Avenir Medium"/>
+                <a:cs typeface="Avenir Medium"/>
+              </a:rPr>
+              <a:t>” and "</a:t>
+            </a:r>
+            <a:r>
+              <a:rPr lang="en" sz="2200" dirty="0" err="1">
+                <a:latin typeface="Avenir Medium"/>
+                <a:cs typeface="Avenir Medium"/>
+              </a:rPr>
+              <a:t>products.current_vat_percent</a:t>
+            </a:r>
+            <a:r>
+              <a:rPr lang="en" sz="2200" dirty="0">
+                <a:latin typeface="Avenir Medium"/>
+                <a:cs typeface="Avenir Medium"/>
+              </a:rPr>
+              <a:t>"  </a:t>
+            </a:r>
+          </a:p>
+          <a:p>
+            <a:pPr lvl="1"/>
+            <a:r>
+              <a:rPr lang="en" sz="2600" dirty="0" err="1">
+                <a:latin typeface="Avenir Medium"/>
+                <a:cs typeface="Avenir Medium"/>
+              </a:rPr>
+              <a:t>I.b</a:t>
+            </a:r>
+            <a:r>
+              <a:rPr lang="en" sz="2600" dirty="0">
+                <a:latin typeface="Avenir Medium"/>
+                <a:cs typeface="Avenir Medium"/>
+              </a:rPr>
+              <a:t> Tasks for the INSERT - AFTER - ROW trigger</a:t>
+            </a:r>
+          </a:p>
+          <a:p>
+            <a:pPr lvl="2"/>
+            <a:r>
+              <a:rPr lang="en" sz="2200" dirty="0">
+                <a:latin typeface="Avenir Medium"/>
+                <a:cs typeface="Avenir Medium"/>
+              </a:rPr>
+              <a:t>update "</a:t>
+            </a:r>
+            <a:r>
+              <a:rPr lang="en" sz="2200" dirty="0" err="1">
+                <a:latin typeface="Avenir Medium"/>
+                <a:cs typeface="Avenir Medium"/>
+              </a:rPr>
+              <a:t>invoice_VAT</a:t>
+            </a:r>
+            <a:r>
+              <a:rPr lang="en" sz="2200" dirty="0">
+                <a:latin typeface="Avenir Medium"/>
+                <a:cs typeface="Avenir Medium"/>
+              </a:rPr>
+              <a:t>", "</a:t>
+            </a:r>
+            <a:r>
+              <a:rPr lang="en" sz="2200" dirty="0" err="1">
+                <a:latin typeface="Avenir Medium"/>
+                <a:cs typeface="Avenir Medium"/>
+              </a:rPr>
+              <a:t>invoice_amount</a:t>
+            </a:r>
+            <a:r>
+              <a:rPr lang="en" sz="2200" dirty="0">
+                <a:latin typeface="Avenir Medium"/>
+                <a:cs typeface="Avenir Medium"/>
+              </a:rPr>
+              <a:t>", "</a:t>
+            </a:r>
+            <a:r>
+              <a:rPr lang="en" sz="2200" dirty="0" err="1">
+                <a:latin typeface="Avenir Medium"/>
+                <a:cs typeface="Avenir Medium"/>
+              </a:rPr>
+              <a:t>n_of_rows</a:t>
+            </a:r>
+            <a:r>
+              <a:rPr lang="en" sz="2200" dirty="0">
+                <a:latin typeface="Avenir Medium"/>
+                <a:cs typeface="Avenir Medium"/>
+              </a:rPr>
+              <a:t>" in table INVOICES</a:t>
+            </a:r>
+          </a:p>
+          <a:p>
+            <a:pPr lvl="2"/>
+            <a:r>
+              <a:rPr lang="en" sz="2200" dirty="0">
+                <a:latin typeface="Avenir Medium"/>
+                <a:cs typeface="Avenir Medium"/>
+              </a:rPr>
+              <a:t>update denormalized table PRODUCT_MONTHLY_STATS (if no record exists in table PRODUCT_MONTHLY_STATS for current (inserted) invoice's month and customer invoice row's product, then INSERT a record into PRODUCT_MONTHLY_STATS!</a:t>
+            </a:r>
+          </a:p>
+        </p:txBody>
+      </p:sp>
+    </p:spTree>
+    <p:extLst>
+      <p:ext uri="{BB962C8B-B14F-4D97-AF65-F5344CB8AC3E}">
+        <p14:creationId xmlns:p14="http://schemas.microsoft.com/office/powerpoint/2010/main" val="2573807983"/>
+      </p:ext>
+    </p:extLst>
+  </p:cSld>
+  <p:clrMapOvr>
+    <a:masterClrMapping/>
+  </p:clrMapOvr>
+  <p:transition>
+    <p:random/>
+  </p:transition>
+</p:sld>
+</file>
+
+<file path=ppt/slides/slide9.xml><?xml version="1.0" encoding="utf-8"?>
+<p:sld xmlns:a="http://schemas.openxmlformats.org/drawingml/2006/main" xmlns:r="http://schemas.openxmlformats.org/officeDocument/2006/relationships" xmlns:p="http://schemas.openxmlformats.org/presentationml/2006/main">
+  <p:cSld>
+    <p:spTree>
+      <p:nvGrpSpPr>
+        <p:cNvPr id="1" name=""/>
+        <p:cNvGrpSpPr/>
+        <p:nvPr/>
+      </p:nvGrpSpPr>
+      <p:grpSpPr>
+        <a:xfrm>
+          <a:off x="0" y="0"/>
+          <a:ext cx="0" cy="0"/>
+          <a:chOff x="0" y="0"/>
+          <a:chExt cx="0" cy="0"/>
+        </a:xfrm>
+      </p:grpSpPr>
+      <p:sp>
+        <p:nvSpPr>
+          <p:cNvPr id="2" name="Title 1"/>
+          <p:cNvSpPr>
+            <a:spLocks noGrp="1"/>
+          </p:cNvSpPr>
+          <p:nvPr>
+            <p:ph type="title"/>
+          </p:nvPr>
+        </p:nvSpPr>
+        <p:spPr>
+          <a:xfrm>
+            <a:off x="0" y="6627"/>
+            <a:ext cx="9144000" cy="1143000"/>
+          </a:xfrm>
+        </p:spPr>
+        <p:txBody>
+          <a:bodyPr anchor="ctr">
+            <a:normAutofit/>
+          </a:bodyPr>
+          <a:lstStyle/>
+          <a:p>
+            <a:pPr algn="ctr"/>
+            <a:r>
+              <a:rPr lang="ro-RO" sz="2800" dirty="0">
+                <a:latin typeface="American Typewriter"/>
+                <a:ea typeface="Arial Unicode MS" panose="020B0604020202020204" pitchFamily="34" charset="-128"/>
+                <a:cs typeface="American Typewriter"/>
+              </a:rPr>
+              <a:t>Script </a:t>
+            </a:r>
+            <a:r>
+              <a:rPr lang="en" sz="2800" b="1" dirty="0">
+                <a:latin typeface="American Typewriter"/>
+                <a:ea typeface="Arial Unicode MS" panose="020B0604020202020204" pitchFamily="34" charset="-128"/>
+                <a:cs typeface="American Typewriter"/>
+              </a:rPr>
+              <a:t>06-02b_en_triggers__invoice_details.sql </a:t>
+            </a:r>
+            <a:br>
+              <a:rPr lang="en" sz="2800" b="1" dirty="0">
+                <a:latin typeface="American Typewriter"/>
+                <a:ea typeface="Arial Unicode MS" panose="020B0604020202020204" pitchFamily="34" charset="-128"/>
+                <a:cs typeface="American Typewriter"/>
+              </a:rPr>
+            </a:br>
+            <a:r>
+              <a:rPr lang="en" sz="2800" b="1" dirty="0">
+                <a:latin typeface="American Typewriter"/>
+                <a:ea typeface="Arial Unicode MS" panose="020B0604020202020204" pitchFamily="34" charset="-128"/>
+                <a:cs typeface="American Typewriter"/>
+              </a:rPr>
+              <a:t>                                                                      </a:t>
+            </a:r>
+            <a:r>
+              <a:rPr lang="en" sz="2800" dirty="0">
+                <a:latin typeface="American Typewriter"/>
+                <a:ea typeface="Arial Unicode MS" panose="020B0604020202020204" pitchFamily="34" charset="-128"/>
+                <a:cs typeface="American Typewriter"/>
+              </a:rPr>
+              <a:t>(cont.)</a:t>
+            </a:r>
+            <a:endParaRPr lang="en-US" sz="2800" dirty="0">
+              <a:latin typeface="American Typewriter"/>
+              <a:ea typeface="Arial Unicode MS" panose="020B0604020202020204" pitchFamily="34" charset="-128"/>
+              <a:cs typeface="American Typewriter"/>
+            </a:endParaRPr>
+          </a:p>
+        </p:txBody>
+      </p:sp>
+      <p:sp>
+        <p:nvSpPr>
+          <p:cNvPr id="3" name="Content Placeholder 2"/>
+          <p:cNvSpPr>
+            <a:spLocks noGrp="1"/>
+          </p:cNvSpPr>
+          <p:nvPr>
+            <p:ph idx="1"/>
+          </p:nvPr>
+        </p:nvSpPr>
+        <p:spPr>
+          <a:xfrm>
+            <a:off x="397564" y="1149627"/>
+            <a:ext cx="8746435" cy="5681868"/>
+          </a:xfrm>
+        </p:spPr>
+        <p:txBody>
+          <a:bodyPr>
+            <a:normAutofit fontScale="62500" lnSpcReduction="20000"/>
+          </a:bodyPr>
+          <a:lstStyle/>
+          <a:p>
+            <a:r>
+              <a:rPr lang="en" sz="3000" dirty="0">
+                <a:latin typeface="Avenir Medium"/>
+                <a:cs typeface="Avenir Medium"/>
+              </a:rPr>
+              <a:t>II. UPDATE triggers for table INVOICE_DETAILS</a:t>
+            </a:r>
+          </a:p>
+          <a:p>
+            <a:pPr lvl="1"/>
+            <a:r>
+              <a:rPr lang="en" sz="2600" dirty="0" err="1">
+                <a:latin typeface="Avenir Medium"/>
+                <a:cs typeface="Avenir Medium"/>
+              </a:rPr>
+              <a:t>II.a</a:t>
+            </a:r>
+            <a:r>
+              <a:rPr lang="en" sz="2600" dirty="0">
+                <a:latin typeface="Avenir Medium"/>
+                <a:cs typeface="Avenir Medium"/>
+              </a:rPr>
+              <a:t> Tasks for the UPDATE - BEFORE - ROW trigger</a:t>
+            </a:r>
+            <a:endParaRPr lang="en" sz="3000" dirty="0">
+              <a:latin typeface="Avenir Medium"/>
+              <a:cs typeface="Avenir Medium"/>
+            </a:endParaRPr>
+          </a:p>
+          <a:p>
+            <a:pPr lvl="2"/>
+            <a:r>
+              <a:rPr lang="en" sz="2200" dirty="0">
+                <a:latin typeface="Avenir Medium"/>
+                <a:cs typeface="Avenir Medium"/>
+              </a:rPr>
+              <a:t>check if at least one value of the following attributes was changed: </a:t>
+            </a:r>
+            <a:r>
+              <a:rPr lang="en" sz="2200" dirty="0" err="1">
+                <a:latin typeface="Avenir Medium"/>
+                <a:cs typeface="Avenir Medium"/>
+              </a:rPr>
+              <a:t>product_vat</a:t>
+            </a:r>
+            <a:r>
+              <a:rPr lang="en" sz="2200" dirty="0">
+                <a:latin typeface="Avenir Medium"/>
+                <a:cs typeface="Avenir Medium"/>
+              </a:rPr>
+              <a:t>, `quantity`, `</a:t>
+            </a:r>
+            <a:r>
+              <a:rPr lang="en" sz="2200" dirty="0" err="1">
+                <a:latin typeface="Avenir Medium"/>
+                <a:cs typeface="Avenir Medium"/>
+              </a:rPr>
+              <a:t>unit_price</a:t>
+            </a:r>
+            <a:r>
+              <a:rPr lang="en" sz="2200" dirty="0">
+                <a:latin typeface="Avenir Medium"/>
+                <a:cs typeface="Avenir Medium"/>
+              </a:rPr>
+              <a:t>`; if so, UPDATE `</a:t>
+            </a:r>
+            <a:r>
+              <a:rPr lang="en" sz="2200" dirty="0" err="1">
+                <a:latin typeface="Avenir Medium"/>
+                <a:cs typeface="Avenir Medium"/>
+              </a:rPr>
+              <a:t>row_vat</a:t>
+            </a:r>
+            <a:r>
+              <a:rPr lang="en" sz="2200" dirty="0">
+                <a:latin typeface="Avenir Medium"/>
+                <a:cs typeface="Avenir Medium"/>
+              </a:rPr>
+              <a:t>` !</a:t>
+            </a:r>
+          </a:p>
+          <a:p>
+            <a:pPr lvl="2"/>
+            <a:r>
+              <a:rPr lang="en" sz="2200" dirty="0">
+                <a:latin typeface="Avenir Medium"/>
+                <a:cs typeface="Avenir Medium"/>
+              </a:rPr>
+              <a:t>check if "</a:t>
+            </a:r>
+            <a:r>
+              <a:rPr lang="en" sz="2200" dirty="0" err="1">
+                <a:latin typeface="Avenir Medium"/>
+                <a:cs typeface="Avenir Medium"/>
+              </a:rPr>
+              <a:t>invoice_details.row_number"'s</a:t>
+            </a:r>
+            <a:r>
+              <a:rPr lang="en" sz="2200" dirty="0">
+                <a:latin typeface="Avenir Medium"/>
+                <a:cs typeface="Avenir Medium"/>
+              </a:rPr>
+              <a:t> values has been changed; for the moment, the rule to be enforced is: "the `</a:t>
+            </a:r>
+            <a:r>
+              <a:rPr lang="en" sz="2200" dirty="0" err="1">
+                <a:latin typeface="Avenir Medium"/>
+                <a:cs typeface="Avenir Medium"/>
+              </a:rPr>
+              <a:t>row_number</a:t>
+            </a:r>
+            <a:r>
+              <a:rPr lang="en" sz="2200" dirty="0">
+                <a:latin typeface="Avenir Medium"/>
+                <a:cs typeface="Avenir Medium"/>
+              </a:rPr>
+              <a:t>` cannot be updated, except for the case when also `</a:t>
+            </a:r>
+            <a:r>
+              <a:rPr lang="en" sz="2200" dirty="0" err="1">
+                <a:latin typeface="Avenir Medium"/>
+                <a:cs typeface="Avenir Medium"/>
+              </a:rPr>
+              <a:t>invoice_id</a:t>
+            </a:r>
+            <a:r>
+              <a:rPr lang="en" sz="2200" dirty="0">
+                <a:latin typeface="Avenir Medium"/>
+                <a:cs typeface="Avenir Medium"/>
+              </a:rPr>
+              <a:t>` was changed!"</a:t>
+            </a:r>
+          </a:p>
+          <a:p>
+            <a:pPr lvl="1"/>
+            <a:r>
+              <a:rPr lang="en" sz="2600" dirty="0" err="1">
+                <a:latin typeface="Avenir Medium"/>
+                <a:cs typeface="Avenir Medium"/>
+              </a:rPr>
+              <a:t>II.b</a:t>
+            </a:r>
+            <a:r>
+              <a:rPr lang="en" sz="2600" dirty="0">
+                <a:latin typeface="Avenir Medium"/>
+                <a:cs typeface="Avenir Medium"/>
+              </a:rPr>
+              <a:t> Tasks for the UPDATE - AFTER - ROW trigger</a:t>
+            </a:r>
+          </a:p>
+          <a:p>
+            <a:pPr lvl="2"/>
+            <a:r>
+              <a:rPr lang="en" sz="2200" dirty="0">
+                <a:latin typeface="Avenir Medium"/>
+                <a:cs typeface="Avenir Medium"/>
+              </a:rPr>
+              <a:t>II.b.1  Check id the `</a:t>
+            </a:r>
+            <a:r>
+              <a:rPr lang="en" sz="2200" dirty="0" err="1">
+                <a:latin typeface="Avenir Medium"/>
+                <a:cs typeface="Avenir Medium"/>
+              </a:rPr>
+              <a:t>invoice_id</a:t>
+            </a:r>
+            <a:r>
+              <a:rPr lang="en" sz="2200" dirty="0">
+                <a:latin typeface="Avenir Medium"/>
+                <a:cs typeface="Avenir Medium"/>
+              </a:rPr>
+              <a:t>` has been changed...</a:t>
+            </a:r>
+          </a:p>
+          <a:p>
+            <a:pPr lvl="3"/>
+            <a:r>
+              <a:rPr lang="en" sz="1800" dirty="0">
+                <a:latin typeface="Avenir Medium"/>
+                <a:cs typeface="Avenir Medium"/>
+              </a:rPr>
+              <a:t>II.b.1.a ...if the "</a:t>
+            </a:r>
+            <a:r>
+              <a:rPr lang="en" sz="1800" dirty="0" err="1">
+                <a:latin typeface="Avenir Medium"/>
+                <a:cs typeface="Avenir Medium"/>
+              </a:rPr>
+              <a:t>invoice_id</a:t>
+            </a:r>
+            <a:r>
+              <a:rPr lang="en" sz="1800" dirty="0">
+                <a:latin typeface="Avenir Medium"/>
+                <a:cs typeface="Avenir Medium"/>
+              </a:rPr>
+              <a:t>" was changed, then...</a:t>
+            </a:r>
+          </a:p>
+          <a:p>
+            <a:pPr lvl="4"/>
+            <a:r>
+              <a:rPr lang="en" sz="1800" dirty="0">
+                <a:latin typeface="Avenir Medium"/>
+                <a:cs typeface="Avenir Medium"/>
+              </a:rPr>
+              <a:t>decrease "</a:t>
+            </a:r>
+            <a:r>
+              <a:rPr lang="en" sz="1800" dirty="0" err="1">
+                <a:latin typeface="Avenir Medium"/>
+                <a:cs typeface="Avenir Medium"/>
+              </a:rPr>
+              <a:t>invoices.invoice_VAT</a:t>
+            </a:r>
+            <a:r>
+              <a:rPr lang="en" sz="1800" dirty="0">
+                <a:latin typeface="Avenir Medium"/>
+                <a:cs typeface="Avenir Medium"/>
+              </a:rPr>
+              <a:t>", "</a:t>
+            </a:r>
+            <a:r>
+              <a:rPr lang="en" sz="1800" dirty="0" err="1">
+                <a:latin typeface="Avenir Medium"/>
+                <a:cs typeface="Avenir Medium"/>
+              </a:rPr>
+              <a:t>invoices.invoice_amount</a:t>
+            </a:r>
+            <a:r>
+              <a:rPr lang="en" sz="1800" dirty="0">
+                <a:latin typeface="Avenir Medium"/>
+                <a:cs typeface="Avenir Medium"/>
+              </a:rPr>
+              <a:t>" and "</a:t>
+            </a:r>
+            <a:r>
+              <a:rPr lang="en" sz="1800" dirty="0" err="1">
+                <a:latin typeface="Avenir Medium"/>
+                <a:cs typeface="Avenir Medium"/>
+              </a:rPr>
+              <a:t>invoices.n_of_rows</a:t>
+            </a:r>
+            <a:r>
+              <a:rPr lang="en" sz="1800" dirty="0">
+                <a:latin typeface="Avenir Medium"/>
+                <a:cs typeface="Avenir Medium"/>
+              </a:rPr>
+              <a:t>" for the OLD invoice</a:t>
+            </a:r>
+          </a:p>
+          <a:p>
+            <a:pPr lvl="4"/>
+            <a:r>
+              <a:rPr lang="en" sz="1800" dirty="0">
+                <a:latin typeface="Avenir Medium"/>
+                <a:cs typeface="Avenir Medium"/>
+              </a:rPr>
+              <a:t>increase "</a:t>
+            </a:r>
+            <a:r>
+              <a:rPr lang="en" sz="1800" dirty="0" err="1">
+                <a:latin typeface="Avenir Medium"/>
+                <a:cs typeface="Avenir Medium"/>
+              </a:rPr>
+              <a:t>invoices.invoice_VAT</a:t>
+            </a:r>
+            <a:r>
+              <a:rPr lang="en" sz="1800" dirty="0">
+                <a:latin typeface="Avenir Medium"/>
+                <a:cs typeface="Avenir Medium"/>
+              </a:rPr>
+              <a:t>", "</a:t>
+            </a:r>
+            <a:r>
+              <a:rPr lang="en" sz="1800" dirty="0" err="1">
+                <a:latin typeface="Avenir Medium"/>
+                <a:cs typeface="Avenir Medium"/>
+              </a:rPr>
+              <a:t>invoices.invoice_amount</a:t>
+            </a:r>
+            <a:r>
+              <a:rPr lang="en" sz="1800" dirty="0">
+                <a:latin typeface="Avenir Medium"/>
+                <a:cs typeface="Avenir Medium"/>
+              </a:rPr>
+              <a:t>" and "</a:t>
+            </a:r>
+            <a:r>
+              <a:rPr lang="en" sz="1800" dirty="0" err="1">
+                <a:latin typeface="Avenir Medium"/>
+                <a:cs typeface="Avenir Medium"/>
+              </a:rPr>
+              <a:t>invoices.n_of_rows</a:t>
+            </a:r>
+            <a:r>
+              <a:rPr lang="en" sz="1800" dirty="0">
+                <a:latin typeface="Avenir Medium"/>
+                <a:cs typeface="Avenir Medium"/>
+              </a:rPr>
+              <a:t>" for the NEW invoice</a:t>
+            </a:r>
+            <a:endParaRPr lang="en" sz="3000" dirty="0">
+              <a:latin typeface="Avenir Medium"/>
+              <a:cs typeface="Avenir Medium"/>
+            </a:endParaRPr>
+          </a:p>
+          <a:p>
+            <a:pPr lvl="4"/>
+            <a:r>
+              <a:rPr lang="en" sz="1800" dirty="0">
+                <a:latin typeface="Avenir Medium"/>
+                <a:cs typeface="Avenir Medium"/>
+              </a:rPr>
+              <a:t>test if the new invoice date falls in another month</a:t>
+            </a:r>
+          </a:p>
+          <a:p>
+            <a:pPr lvl="5"/>
+            <a:r>
+              <a:rPr lang="en" sz="1800" dirty="0">
+                <a:latin typeface="Avenir Medium"/>
+                <a:cs typeface="Avenir Medium"/>
+              </a:rPr>
+              <a:t>II.b.1.a.1 ... if new line appear in a new invoice placed into another month...</a:t>
+            </a:r>
+          </a:p>
+          <a:p>
+            <a:pPr lvl="6"/>
+            <a:r>
+              <a:rPr lang="en" sz="1800" dirty="0">
+                <a:latin typeface="Avenir Medium"/>
+                <a:cs typeface="Avenir Medium"/>
+              </a:rPr>
+              <a:t>decrease "</a:t>
+            </a:r>
+            <a:r>
+              <a:rPr lang="en" sz="1800" dirty="0" err="1">
+                <a:latin typeface="Avenir Medium"/>
+                <a:cs typeface="Avenir Medium"/>
+              </a:rPr>
+              <a:t>product_monthly_stats.sales</a:t>
+            </a:r>
+            <a:r>
+              <a:rPr lang="en" sz="1800" dirty="0">
+                <a:latin typeface="Avenir Medium"/>
+                <a:cs typeface="Avenir Medium"/>
+              </a:rPr>
+              <a:t>" for the OLD product and the old invoice's month</a:t>
+            </a:r>
+          </a:p>
+          <a:p>
+            <a:pPr lvl="6"/>
+            <a:r>
+              <a:rPr lang="en" sz="1800" dirty="0">
+                <a:latin typeface="Avenir Medium"/>
+                <a:cs typeface="Avenir Medium"/>
+              </a:rPr>
+              <a:t>increase "</a:t>
+            </a:r>
+            <a:r>
+              <a:rPr lang="en" sz="1800" dirty="0" err="1">
+                <a:latin typeface="Avenir Medium"/>
+                <a:cs typeface="Avenir Medium"/>
+              </a:rPr>
+              <a:t>product_monthly_stats.sales</a:t>
+            </a:r>
+            <a:r>
+              <a:rPr lang="en" sz="1800" dirty="0">
+                <a:latin typeface="Avenir Medium"/>
+                <a:cs typeface="Avenir Medium"/>
+              </a:rPr>
+              <a:t>" for the NEW product and the new invoice's month; (do not forget to check if the new product has a corresponding record in "</a:t>
+            </a:r>
+            <a:r>
+              <a:rPr lang="en" sz="1800" dirty="0" err="1">
+                <a:latin typeface="Avenir Medium"/>
+                <a:cs typeface="Avenir Medium"/>
+              </a:rPr>
+              <a:t>product_monthly_stats</a:t>
+            </a:r>
+            <a:r>
+              <a:rPr lang="en" sz="1800" dirty="0">
+                <a:latin typeface="Avenir Medium"/>
+                <a:cs typeface="Avenir Medium"/>
+              </a:rPr>
+              <a:t>" for  the current invoice's month (if not, add the record in "</a:t>
+            </a:r>
+            <a:r>
+              <a:rPr lang="en" sz="1800" dirty="0" err="1">
+                <a:latin typeface="Avenir Medium"/>
+                <a:cs typeface="Avenir Medium"/>
+              </a:rPr>
+              <a:t>product_monthly_stats</a:t>
+            </a:r>
+            <a:r>
+              <a:rPr lang="en" sz="1800" dirty="0">
+                <a:latin typeface="Avenir Medium"/>
+                <a:cs typeface="Avenir Medium"/>
+              </a:rPr>
+              <a:t>")</a:t>
+            </a:r>
+          </a:p>
+          <a:p>
+            <a:pPr lvl="5"/>
+            <a:r>
+              <a:rPr lang="en" sz="1800" dirty="0">
+                <a:latin typeface="Avenir Medium"/>
+                <a:cs typeface="Avenir Medium"/>
+              </a:rPr>
+              <a:t>II.b.1.a.2 ... if new line appear in a new invoice placed in the same month...</a:t>
+            </a:r>
+          </a:p>
+          <a:p>
+            <a:pPr lvl="6"/>
+            <a:r>
+              <a:rPr lang="en" sz="1800" dirty="0">
+                <a:latin typeface="Avenir Medium"/>
+                <a:cs typeface="Avenir Medium"/>
+              </a:rPr>
+              <a:t>do nothing</a:t>
+            </a:r>
+          </a:p>
+          <a:p>
+            <a:pPr lvl="3"/>
+            <a:r>
+              <a:rPr lang="en" sz="1800" dirty="0">
+                <a:latin typeface="Avenir Medium"/>
+                <a:cs typeface="Avenir Medium"/>
+              </a:rPr>
+              <a:t>II.b.1.b if the "</a:t>
+            </a:r>
+            <a:r>
+              <a:rPr lang="en" sz="1800" dirty="0" err="1">
+                <a:latin typeface="Avenir Medium"/>
+                <a:cs typeface="Avenir Medium"/>
+              </a:rPr>
+              <a:t>invoice_id</a:t>
+            </a:r>
+            <a:r>
+              <a:rPr lang="en" sz="1800" dirty="0">
+                <a:latin typeface="Avenir Medium"/>
+                <a:cs typeface="Avenir Medium"/>
+              </a:rPr>
+              <a:t>" was not changed, then...</a:t>
+            </a:r>
+          </a:p>
+          <a:p>
+            <a:pPr lvl="4"/>
+            <a:r>
+              <a:rPr lang="en" sz="1800" dirty="0">
+                <a:latin typeface="Avenir Medium"/>
+                <a:cs typeface="Avenir Medium"/>
+              </a:rPr>
+              <a:t>just update "</a:t>
+            </a:r>
+            <a:r>
+              <a:rPr lang="en" sz="1800" dirty="0" err="1">
+                <a:latin typeface="Avenir Medium"/>
+                <a:cs typeface="Avenir Medium"/>
+              </a:rPr>
+              <a:t>invoices.invoice_VAT</a:t>
+            </a:r>
+            <a:r>
+              <a:rPr lang="en" sz="1800" dirty="0">
+                <a:latin typeface="Avenir Medium"/>
+                <a:cs typeface="Avenir Medium"/>
+              </a:rPr>
+              <a:t>" and  "</a:t>
+            </a:r>
+            <a:r>
+              <a:rPr lang="en" sz="1800" dirty="0" err="1">
+                <a:latin typeface="Avenir Medium"/>
+                <a:cs typeface="Avenir Medium"/>
+              </a:rPr>
+              <a:t>invoices.invoice_amount</a:t>
+            </a:r>
+            <a:r>
+              <a:rPr lang="en" sz="1800" dirty="0">
+                <a:latin typeface="Avenir Medium"/>
+                <a:cs typeface="Avenir Medium"/>
+              </a:rPr>
+              <a:t>"</a:t>
+            </a:r>
+          </a:p>
+          <a:p>
+            <a:pPr lvl="3"/>
+            <a:r>
+              <a:rPr lang="en" sz="1800" dirty="0">
+                <a:latin typeface="Avenir Medium"/>
+                <a:cs typeface="Avenir Medium"/>
+              </a:rPr>
+              <a:t>II.b.2 Check if the `</a:t>
+            </a:r>
+            <a:r>
+              <a:rPr lang="en" sz="1800" dirty="0" err="1">
+                <a:latin typeface="Avenir Medium"/>
+                <a:cs typeface="Avenir Medium"/>
+              </a:rPr>
+              <a:t>product_id</a:t>
+            </a:r>
+            <a:r>
+              <a:rPr lang="en" sz="1800" dirty="0">
+                <a:latin typeface="Avenir Medium"/>
+                <a:cs typeface="Avenir Medium"/>
+              </a:rPr>
+              <a:t>` has been changed...</a:t>
+            </a:r>
+          </a:p>
+          <a:p>
+            <a:pPr lvl="4"/>
+            <a:r>
+              <a:rPr lang="en" sz="1800" dirty="0">
+                <a:latin typeface="Avenir Medium"/>
+                <a:cs typeface="Avenir Medium"/>
+              </a:rPr>
+              <a:t>II.b.2.a ...if the `</a:t>
+            </a:r>
+            <a:r>
+              <a:rPr lang="en" sz="1800" dirty="0" err="1">
+                <a:latin typeface="Avenir Medium"/>
+                <a:cs typeface="Avenir Medium"/>
+              </a:rPr>
+              <a:t>product_id</a:t>
+            </a:r>
+            <a:r>
+              <a:rPr lang="en" sz="1800" dirty="0">
+                <a:latin typeface="Avenir Medium"/>
+                <a:cs typeface="Avenir Medium"/>
+              </a:rPr>
+              <a:t>` was changed, then...</a:t>
+            </a:r>
+          </a:p>
+          <a:p>
+            <a:pPr lvl="5"/>
+            <a:r>
+              <a:rPr lang="en" sz="1800" dirty="0">
+                <a:latin typeface="Avenir Medium"/>
+                <a:cs typeface="Avenir Medium"/>
+              </a:rPr>
+              <a:t>decrease "</a:t>
+            </a:r>
+            <a:r>
+              <a:rPr lang="en" sz="1800" dirty="0" err="1">
+                <a:latin typeface="Avenir Medium"/>
+                <a:cs typeface="Avenir Medium"/>
+              </a:rPr>
+              <a:t>product_monthly_stats.sales</a:t>
+            </a:r>
+            <a:r>
+              <a:rPr lang="en" sz="1800" dirty="0">
+                <a:latin typeface="Avenir Medium"/>
+                <a:cs typeface="Avenir Medium"/>
+              </a:rPr>
+              <a:t>" for the OLD product (and the current invoice's month)</a:t>
+            </a:r>
+          </a:p>
+          <a:p>
+            <a:pPr lvl="5"/>
+            <a:r>
+              <a:rPr lang="en" sz="1800" dirty="0">
+                <a:latin typeface="Avenir Medium"/>
+                <a:cs typeface="Avenir Medium"/>
+              </a:rPr>
+              <a:t>increase "</a:t>
+            </a:r>
+            <a:r>
+              <a:rPr lang="en" sz="1800" dirty="0" err="1">
+                <a:latin typeface="Avenir Medium"/>
+                <a:cs typeface="Avenir Medium"/>
+              </a:rPr>
+              <a:t>product_monthly_stats.sales</a:t>
+            </a:r>
+            <a:r>
+              <a:rPr lang="en" sz="1800" dirty="0">
+                <a:latin typeface="Avenir Medium"/>
+                <a:cs typeface="Avenir Medium"/>
+              </a:rPr>
+              <a:t>" for the NEW product (and the current invoice's month), but do not forget to check if the new product has a corresponding record in "</a:t>
+            </a:r>
+            <a:r>
+              <a:rPr lang="en" sz="1800" dirty="0" err="1">
+                <a:latin typeface="Avenir Medium"/>
+                <a:cs typeface="Avenir Medium"/>
+              </a:rPr>
+              <a:t>product_monthly_stats</a:t>
+            </a:r>
+            <a:r>
+              <a:rPr lang="en" sz="1800" dirty="0">
+                <a:latin typeface="Avenir Medium"/>
+                <a:cs typeface="Avenir Medium"/>
+              </a:rPr>
+              <a:t>” for  the current invoice's month (if not, add the record in "</a:t>
+            </a:r>
+            <a:r>
+              <a:rPr lang="en" sz="1800" dirty="0" err="1">
+                <a:latin typeface="Avenir Medium"/>
+                <a:cs typeface="Avenir Medium"/>
+              </a:rPr>
+              <a:t>product_monthly_stats</a:t>
+            </a:r>
+            <a:r>
+              <a:rPr lang="en" sz="1800" dirty="0">
+                <a:latin typeface="Avenir Medium"/>
+                <a:cs typeface="Avenir Medium"/>
+              </a:rPr>
+              <a:t>")</a:t>
+            </a:r>
+          </a:p>
+          <a:p>
+            <a:pPr lvl="4"/>
+            <a:r>
+              <a:rPr lang="en" sz="1800" dirty="0">
+                <a:latin typeface="Avenir Medium"/>
+                <a:cs typeface="Avenir Medium"/>
+              </a:rPr>
+              <a:t>II.b.2.b if the `</a:t>
+            </a:r>
+            <a:r>
+              <a:rPr lang="en" sz="1800" dirty="0" err="1">
+                <a:latin typeface="Avenir Medium"/>
+                <a:cs typeface="Avenir Medium"/>
+              </a:rPr>
+              <a:t>product_id</a:t>
+            </a:r>
+            <a:r>
+              <a:rPr lang="en" sz="1800" dirty="0">
+                <a:latin typeface="Avenir Medium"/>
+                <a:cs typeface="Avenir Medium"/>
+              </a:rPr>
+              <a:t>` was not changed, then just update "</a:t>
+            </a:r>
+            <a:r>
+              <a:rPr lang="en" sz="1800" dirty="0" err="1">
+                <a:latin typeface="Avenir Medium"/>
+                <a:cs typeface="Avenir Medium"/>
+              </a:rPr>
+              <a:t>product_monthly_stats.sales</a:t>
+            </a:r>
+            <a:r>
+              <a:rPr lang="en" sz="1800" dirty="0">
+                <a:latin typeface="Avenir Medium"/>
+                <a:cs typeface="Avenir Medium"/>
+              </a:rPr>
+              <a:t>"	</a:t>
+            </a:r>
+          </a:p>
+        </p:txBody>
+      </p:sp>
+    </p:spTree>
+    <p:extLst>
+      <p:ext uri="{BB962C8B-B14F-4D97-AF65-F5344CB8AC3E}">
+        <p14:creationId xmlns:p14="http://schemas.microsoft.com/office/powerpoint/2010/main" val="1281491922"/>
       </p:ext>
     </p:extLst>
   </p:cSld>
